--- a/Solar Irradiance Forecasting.pptx
+++ b/Solar Irradiance Forecasting.pptx
@@ -9,8 +9,10 @@
     <p:sldId id="257" r:id="rId3"/>
     <p:sldId id="258" r:id="rId4"/>
     <p:sldId id="259" r:id="rId5"/>
-    <p:sldId id="260" r:id="rId6"/>
-    <p:sldId id="261" r:id="rId7"/>
+    <p:sldId id="262" r:id="rId6"/>
+    <p:sldId id="263" r:id="rId7"/>
+    <p:sldId id="260" r:id="rId8"/>
+    <p:sldId id="261" r:id="rId9"/>
   </p:sldIdLst>
   <p:sldSz cx="12192000" cy="6858000"/>
   <p:notesSz cx="6858000" cy="9144000"/>
@@ -4015,7 +4017,7 @@
                 <a:ea typeface="Calibri" panose="020F0502020204030204" pitchFamily="34" charset="0"/>
                 <a:cs typeface="Times New Roman" panose="02020603050405020304" pitchFamily="18" charset="0"/>
               </a:rPr>
-              <a:t>Imagery from Whole Sky Cameras </a:t>
+              <a:t>       Imagery from Whole Sky Cameras </a:t>
             </a:r>
             <a:r>
               <a:rPr lang="en-US" sz="1200" dirty="0">
@@ -4652,6 +4654,2038 @@
           <a:chExt cx="0" cy="0"/>
         </a:xfrm>
       </p:grpSpPr>
+      <p:grpSp>
+        <p:nvGrpSpPr>
+          <p:cNvPr id="80" name="Group 79">
+            <a:extLst>
+              <a:ext uri="{FF2B5EF4-FFF2-40B4-BE49-F238E27FC236}">
+                <a16:creationId xmlns:a16="http://schemas.microsoft.com/office/drawing/2014/main" id="{76D5C761-1677-B879-075D-852805B65176}"/>
+              </a:ext>
+            </a:extLst>
+          </p:cNvPr>
+          <p:cNvGrpSpPr/>
+          <p:nvPr/>
+        </p:nvGrpSpPr>
+        <p:grpSpPr>
+          <a:xfrm>
+            <a:off x="1181100" y="114300"/>
+            <a:ext cx="10258425" cy="6200775"/>
+            <a:chOff x="1181100" y="133350"/>
+            <a:chExt cx="10258425" cy="6200775"/>
+          </a:xfrm>
+        </p:grpSpPr>
+        <p:sp>
+          <p:nvSpPr>
+            <p:cNvPr id="4" name="Oval 3">
+              <a:extLst>
+                <a:ext uri="{FF2B5EF4-FFF2-40B4-BE49-F238E27FC236}">
+                  <a16:creationId xmlns:a16="http://schemas.microsoft.com/office/drawing/2014/main" id="{4FBD3084-8D71-9EFA-9B34-D91DFFEEF21B}"/>
+                </a:ext>
+              </a:extLst>
+            </p:cNvPr>
+            <p:cNvSpPr/>
+            <p:nvPr/>
+          </p:nvSpPr>
+          <p:spPr>
+            <a:xfrm>
+              <a:off x="5591175" y="133350"/>
+              <a:ext cx="1457325" cy="561970"/>
+            </a:xfrm>
+            <a:prstGeom prst="ellipse">
+              <a:avLst/>
+            </a:prstGeom>
+          </p:spPr>
+          <p:style>
+            <a:lnRef idx="2">
+              <a:schemeClr val="accent6"/>
+            </a:lnRef>
+            <a:fillRef idx="1">
+              <a:schemeClr val="lt1"/>
+            </a:fillRef>
+            <a:effectRef idx="0">
+              <a:schemeClr val="accent6"/>
+            </a:effectRef>
+            <a:fontRef idx="minor">
+              <a:schemeClr val="dk1"/>
+            </a:fontRef>
+          </p:style>
+          <p:txBody>
+            <a:bodyPr rtlCol="0" anchor="ctr"/>
+            <a:lstStyle/>
+            <a:p>
+              <a:pPr algn="ctr"/>
+              <a:r>
+                <a:rPr lang="en-IN" sz="1050" dirty="0"/>
+                <a:t>Start</a:t>
+              </a:r>
+            </a:p>
+          </p:txBody>
+        </p:sp>
+        <p:sp>
+          <p:nvSpPr>
+            <p:cNvPr id="5" name="Rectangle: Rounded Corners 4">
+              <a:extLst>
+                <a:ext uri="{FF2B5EF4-FFF2-40B4-BE49-F238E27FC236}">
+                  <a16:creationId xmlns:a16="http://schemas.microsoft.com/office/drawing/2014/main" id="{C884AA70-1739-340A-E8FF-0A0A6AF9B2FA}"/>
+                </a:ext>
+              </a:extLst>
+            </p:cNvPr>
+            <p:cNvSpPr/>
+            <p:nvPr/>
+          </p:nvSpPr>
+          <p:spPr>
+            <a:xfrm>
+              <a:off x="1181100" y="1266824"/>
+              <a:ext cx="1914525" cy="762001"/>
+            </a:xfrm>
+            <a:prstGeom prst="roundRect">
+              <a:avLst/>
+            </a:prstGeom>
+          </p:spPr>
+          <p:style>
+            <a:lnRef idx="2">
+              <a:schemeClr val="accent6"/>
+            </a:lnRef>
+            <a:fillRef idx="1">
+              <a:schemeClr val="lt1"/>
+            </a:fillRef>
+            <a:effectRef idx="0">
+              <a:schemeClr val="accent6"/>
+            </a:effectRef>
+            <a:fontRef idx="minor">
+              <a:schemeClr val="dk1"/>
+            </a:fontRef>
+          </p:style>
+          <p:txBody>
+            <a:bodyPr rtlCol="0" anchor="ctr"/>
+            <a:lstStyle/>
+            <a:p>
+              <a:pPr algn="ctr"/>
+              <a:r>
+                <a:rPr lang="en-US" sz="1050" dirty="0">
+                  <a:solidFill>
+                    <a:srgbClr val="000000"/>
+                  </a:solidFill>
+                  <a:effectLst/>
+                </a:rPr>
+                <a:t>Weather Meteorological Data</a:t>
+              </a:r>
+              <a:endParaRPr lang="en-IN" sz="1050" dirty="0"/>
+            </a:p>
+          </p:txBody>
+        </p:sp>
+        <p:sp>
+          <p:nvSpPr>
+            <p:cNvPr id="6" name="Rectangle: Rounded Corners 5">
+              <a:extLst>
+                <a:ext uri="{FF2B5EF4-FFF2-40B4-BE49-F238E27FC236}">
+                  <a16:creationId xmlns:a16="http://schemas.microsoft.com/office/drawing/2014/main" id="{042370AF-D39A-F246-FD54-A4DD458962B8}"/>
+                </a:ext>
+              </a:extLst>
+            </p:cNvPr>
+            <p:cNvSpPr/>
+            <p:nvPr/>
+          </p:nvSpPr>
+          <p:spPr>
+            <a:xfrm>
+              <a:off x="3267075" y="1266821"/>
+              <a:ext cx="1914525" cy="762001"/>
+            </a:xfrm>
+            <a:prstGeom prst="roundRect">
+              <a:avLst/>
+            </a:prstGeom>
+          </p:spPr>
+          <p:style>
+            <a:lnRef idx="2">
+              <a:schemeClr val="accent6"/>
+            </a:lnRef>
+            <a:fillRef idx="1">
+              <a:schemeClr val="lt1"/>
+            </a:fillRef>
+            <a:effectRef idx="0">
+              <a:schemeClr val="accent6"/>
+            </a:effectRef>
+            <a:fontRef idx="minor">
+              <a:schemeClr val="dk1"/>
+            </a:fontRef>
+          </p:style>
+          <p:txBody>
+            <a:bodyPr rtlCol="0" anchor="ctr"/>
+            <a:lstStyle/>
+            <a:p>
+              <a:pPr algn="ctr"/>
+              <a:r>
+                <a:rPr lang="en-US" sz="1050" dirty="0">
+                  <a:solidFill>
+                    <a:srgbClr val="000000"/>
+                  </a:solidFill>
+                </a:rPr>
+                <a:t>Satellite imagery from GOES-15</a:t>
+              </a:r>
+              <a:endParaRPr lang="en-IN" sz="1050" dirty="0"/>
+            </a:p>
+          </p:txBody>
+        </p:sp>
+        <p:sp>
+          <p:nvSpPr>
+            <p:cNvPr id="7" name="Rectangle: Rounded Corners 6">
+              <a:extLst>
+                <a:ext uri="{FF2B5EF4-FFF2-40B4-BE49-F238E27FC236}">
+                  <a16:creationId xmlns:a16="http://schemas.microsoft.com/office/drawing/2014/main" id="{ED2D309B-FA86-657C-F20B-90D7F1ACC430}"/>
+                </a:ext>
+              </a:extLst>
+            </p:cNvPr>
+            <p:cNvSpPr/>
+            <p:nvPr/>
+          </p:nvSpPr>
+          <p:spPr>
+            <a:xfrm>
+              <a:off x="5353050" y="1266821"/>
+              <a:ext cx="1914525" cy="762001"/>
+            </a:xfrm>
+            <a:prstGeom prst="roundRect">
+              <a:avLst/>
+            </a:prstGeom>
+          </p:spPr>
+          <p:style>
+            <a:lnRef idx="2">
+              <a:schemeClr val="accent6"/>
+            </a:lnRef>
+            <a:fillRef idx="1">
+              <a:schemeClr val="lt1"/>
+            </a:fillRef>
+            <a:effectRef idx="0">
+              <a:schemeClr val="accent6"/>
+            </a:effectRef>
+            <a:fontRef idx="minor">
+              <a:schemeClr val="dk1"/>
+            </a:fontRef>
+          </p:style>
+          <p:txBody>
+            <a:bodyPr rtlCol="0" anchor="ctr"/>
+            <a:lstStyle/>
+            <a:p>
+              <a:pPr algn="ctr"/>
+              <a:r>
+                <a:rPr lang="en-US" sz="1050" dirty="0">
+                  <a:effectLst/>
+                  <a:ea typeface="Calibri" panose="020F0502020204030204" pitchFamily="34" charset="0"/>
+                  <a:cs typeface="Times New Roman" panose="02020603050405020304" pitchFamily="18" charset="0"/>
+                </a:rPr>
+                <a:t>Whole Sky Cameras Imagery</a:t>
+              </a:r>
+              <a:endParaRPr lang="en-IN" sz="1050" dirty="0"/>
+            </a:p>
+          </p:txBody>
+        </p:sp>
+        <p:sp>
+          <p:nvSpPr>
+            <p:cNvPr id="11" name="Rectangle: Rounded Corners 10">
+              <a:extLst>
+                <a:ext uri="{FF2B5EF4-FFF2-40B4-BE49-F238E27FC236}">
+                  <a16:creationId xmlns:a16="http://schemas.microsoft.com/office/drawing/2014/main" id="{F2DE0C39-12BD-D286-B1D8-A71FCA55CFC3}"/>
+                </a:ext>
+              </a:extLst>
+            </p:cNvPr>
+            <p:cNvSpPr/>
+            <p:nvPr/>
+          </p:nvSpPr>
+          <p:spPr>
+            <a:xfrm>
+              <a:off x="7439025" y="1266821"/>
+              <a:ext cx="1914525" cy="762001"/>
+            </a:xfrm>
+            <a:prstGeom prst="roundRect">
+              <a:avLst/>
+            </a:prstGeom>
+          </p:spPr>
+          <p:style>
+            <a:lnRef idx="2">
+              <a:schemeClr val="accent6"/>
+            </a:lnRef>
+            <a:fillRef idx="1">
+              <a:schemeClr val="lt1"/>
+            </a:fillRef>
+            <a:effectRef idx="0">
+              <a:schemeClr val="accent6"/>
+            </a:effectRef>
+            <a:fontRef idx="minor">
+              <a:schemeClr val="dk1"/>
+            </a:fontRef>
+          </p:style>
+          <p:txBody>
+            <a:bodyPr rtlCol="0" anchor="ctr"/>
+            <a:lstStyle/>
+            <a:p>
+              <a:pPr algn="ctr"/>
+              <a:r>
+                <a:rPr lang="en-US" sz="1050" dirty="0">
+                  <a:effectLst/>
+                  <a:ea typeface="Calibri" panose="020F0502020204030204" pitchFamily="34" charset="0"/>
+                  <a:cs typeface="Times New Roman" panose="02020603050405020304" pitchFamily="18" charset="0"/>
+                </a:rPr>
+                <a:t>RGB Ratios from Whole Sky Camera Imagery</a:t>
+              </a:r>
+              <a:endParaRPr lang="en-IN" sz="1050" dirty="0"/>
+            </a:p>
+          </p:txBody>
+        </p:sp>
+        <p:sp>
+          <p:nvSpPr>
+            <p:cNvPr id="12" name="Rectangle: Rounded Corners 11">
+              <a:extLst>
+                <a:ext uri="{FF2B5EF4-FFF2-40B4-BE49-F238E27FC236}">
+                  <a16:creationId xmlns:a16="http://schemas.microsoft.com/office/drawing/2014/main" id="{6F1BA737-D788-0DD4-710B-904E1C4331A8}"/>
+                </a:ext>
+              </a:extLst>
+            </p:cNvPr>
+            <p:cNvSpPr/>
+            <p:nvPr/>
+          </p:nvSpPr>
+          <p:spPr>
+            <a:xfrm>
+              <a:off x="9525000" y="1266821"/>
+              <a:ext cx="1914525" cy="762001"/>
+            </a:xfrm>
+            <a:prstGeom prst="roundRect">
+              <a:avLst/>
+            </a:prstGeom>
+          </p:spPr>
+          <p:style>
+            <a:lnRef idx="2">
+              <a:schemeClr val="accent6"/>
+            </a:lnRef>
+            <a:fillRef idx="1">
+              <a:schemeClr val="lt1"/>
+            </a:fillRef>
+            <a:effectRef idx="0">
+              <a:schemeClr val="accent6"/>
+            </a:effectRef>
+            <a:fontRef idx="minor">
+              <a:schemeClr val="dk1"/>
+            </a:fontRef>
+          </p:style>
+          <p:txBody>
+            <a:bodyPr rtlCol="0" anchor="ctr"/>
+            <a:lstStyle/>
+            <a:p>
+              <a:pPr algn="ctr"/>
+              <a:r>
+                <a:rPr lang="en-US" sz="1050" dirty="0">
+                  <a:ea typeface="Calibri" panose="020F0502020204030204" pitchFamily="34" charset="0"/>
+                  <a:cs typeface="Times New Roman" panose="02020603050405020304" pitchFamily="18" charset="0"/>
+                </a:rPr>
+                <a:t>GHI I</a:t>
+              </a:r>
+              <a:r>
+                <a:rPr lang="en-US" sz="1050" dirty="0">
+                  <a:effectLst/>
+                  <a:ea typeface="Calibri" panose="020F0502020204030204" pitchFamily="34" charset="0"/>
+                  <a:cs typeface="Times New Roman" panose="02020603050405020304" pitchFamily="18" charset="0"/>
+                </a:rPr>
+                <a:t>rradiance measures</a:t>
+              </a:r>
+              <a:endParaRPr lang="en-IN" sz="1050" dirty="0"/>
+            </a:p>
+          </p:txBody>
+        </p:sp>
+        <p:cxnSp>
+          <p:nvCxnSpPr>
+            <p:cNvPr id="14" name="Connector: Elbow 13">
+              <a:extLst>
+                <a:ext uri="{FF2B5EF4-FFF2-40B4-BE49-F238E27FC236}">
+                  <a16:creationId xmlns:a16="http://schemas.microsoft.com/office/drawing/2014/main" id="{7E8A5E50-400E-4740-A2FE-FCA3CE2BA32F}"/>
+                </a:ext>
+              </a:extLst>
+            </p:cNvPr>
+            <p:cNvCxnSpPr>
+              <a:cxnSpLocks/>
+            </p:cNvCxnSpPr>
+            <p:nvPr/>
+          </p:nvCxnSpPr>
+          <p:spPr>
+            <a:xfrm rot="5400000" flipH="1" flipV="1">
+              <a:off x="6310310" y="-2905127"/>
+              <a:ext cx="3" cy="8343900"/>
+            </a:xfrm>
+            <a:prstGeom prst="bentConnector3">
+              <a:avLst>
+                <a:gd name="adj1" fmla="val 7620100000"/>
+              </a:avLst>
+            </a:prstGeom>
+          </p:spPr>
+          <p:style>
+            <a:lnRef idx="1">
+              <a:schemeClr val="accent1"/>
+            </a:lnRef>
+            <a:fillRef idx="0">
+              <a:schemeClr val="accent1"/>
+            </a:fillRef>
+            <a:effectRef idx="0">
+              <a:schemeClr val="accent1"/>
+            </a:effectRef>
+            <a:fontRef idx="minor">
+              <a:schemeClr val="tx1"/>
+            </a:fontRef>
+          </p:style>
+        </p:cxnSp>
+        <p:cxnSp>
+          <p:nvCxnSpPr>
+            <p:cNvPr id="16" name="Straight Arrow Connector 15">
+              <a:extLst>
+                <a:ext uri="{FF2B5EF4-FFF2-40B4-BE49-F238E27FC236}">
+                  <a16:creationId xmlns:a16="http://schemas.microsoft.com/office/drawing/2014/main" id="{7B0D7BC8-59C1-57BF-C0F6-443CB8D970F7}"/>
+                </a:ext>
+              </a:extLst>
+            </p:cNvPr>
+            <p:cNvCxnSpPr>
+              <a:cxnSpLocks/>
+              <a:stCxn id="4" idx="4"/>
+            </p:cNvCxnSpPr>
+            <p:nvPr/>
+          </p:nvCxnSpPr>
+          <p:spPr>
+            <a:xfrm>
+              <a:off x="6319838" y="695320"/>
+              <a:ext cx="4762" cy="342899"/>
+            </a:xfrm>
+            <a:prstGeom prst="straightConnector1">
+              <a:avLst/>
+            </a:prstGeom>
+            <a:ln>
+              <a:tailEnd type="triangle"/>
+            </a:ln>
+          </p:spPr>
+          <p:style>
+            <a:lnRef idx="1">
+              <a:schemeClr val="accent1"/>
+            </a:lnRef>
+            <a:fillRef idx="0">
+              <a:schemeClr val="accent1"/>
+            </a:fillRef>
+            <a:effectRef idx="0">
+              <a:schemeClr val="accent1"/>
+            </a:effectRef>
+            <a:fontRef idx="minor">
+              <a:schemeClr val="tx1"/>
+            </a:fontRef>
+          </p:style>
+        </p:cxnSp>
+        <p:cxnSp>
+          <p:nvCxnSpPr>
+            <p:cNvPr id="22" name="Straight Connector 21">
+              <a:extLst>
+                <a:ext uri="{FF2B5EF4-FFF2-40B4-BE49-F238E27FC236}">
+                  <a16:creationId xmlns:a16="http://schemas.microsoft.com/office/drawing/2014/main" id="{E764FF09-AF56-D3AC-9C50-21EF0BCBA80C}"/>
+                </a:ext>
+              </a:extLst>
+            </p:cNvPr>
+            <p:cNvCxnSpPr>
+              <a:stCxn id="6" idx="0"/>
+            </p:cNvCxnSpPr>
+            <p:nvPr/>
+          </p:nvCxnSpPr>
+          <p:spPr>
+            <a:xfrm flipH="1" flipV="1">
+              <a:off x="4224337" y="1066800"/>
+              <a:ext cx="1" cy="200021"/>
+            </a:xfrm>
+            <a:prstGeom prst="line">
+              <a:avLst/>
+            </a:prstGeom>
+          </p:spPr>
+          <p:style>
+            <a:lnRef idx="1">
+              <a:schemeClr val="accent1"/>
+            </a:lnRef>
+            <a:fillRef idx="0">
+              <a:schemeClr val="accent1"/>
+            </a:fillRef>
+            <a:effectRef idx="0">
+              <a:schemeClr val="accent1"/>
+            </a:effectRef>
+            <a:fontRef idx="minor">
+              <a:schemeClr val="tx1"/>
+            </a:fontRef>
+          </p:style>
+        </p:cxnSp>
+        <p:cxnSp>
+          <p:nvCxnSpPr>
+            <p:cNvPr id="23" name="Straight Connector 22">
+              <a:extLst>
+                <a:ext uri="{FF2B5EF4-FFF2-40B4-BE49-F238E27FC236}">
+                  <a16:creationId xmlns:a16="http://schemas.microsoft.com/office/drawing/2014/main" id="{1E278B2B-CF8B-BB9C-31F2-F1D0F449DA3F}"/>
+                </a:ext>
+              </a:extLst>
+            </p:cNvPr>
+            <p:cNvCxnSpPr/>
+            <p:nvPr/>
+          </p:nvCxnSpPr>
+          <p:spPr>
+            <a:xfrm flipH="1" flipV="1">
+              <a:off x="6338887" y="1038225"/>
+              <a:ext cx="1" cy="200021"/>
+            </a:xfrm>
+            <a:prstGeom prst="line">
+              <a:avLst/>
+            </a:prstGeom>
+          </p:spPr>
+          <p:style>
+            <a:lnRef idx="1">
+              <a:schemeClr val="accent1"/>
+            </a:lnRef>
+            <a:fillRef idx="0">
+              <a:schemeClr val="accent1"/>
+            </a:fillRef>
+            <a:effectRef idx="0">
+              <a:schemeClr val="accent1"/>
+            </a:effectRef>
+            <a:fontRef idx="minor">
+              <a:schemeClr val="tx1"/>
+            </a:fontRef>
+          </p:style>
+        </p:cxnSp>
+        <p:cxnSp>
+          <p:nvCxnSpPr>
+            <p:cNvPr id="24" name="Straight Connector 23">
+              <a:extLst>
+                <a:ext uri="{FF2B5EF4-FFF2-40B4-BE49-F238E27FC236}">
+                  <a16:creationId xmlns:a16="http://schemas.microsoft.com/office/drawing/2014/main" id="{6603B6AB-0E7D-EAB5-CCEE-7DE7163F2783}"/>
+                </a:ext>
+              </a:extLst>
+            </p:cNvPr>
+            <p:cNvCxnSpPr/>
+            <p:nvPr/>
+          </p:nvCxnSpPr>
+          <p:spPr>
+            <a:xfrm flipH="1" flipV="1">
+              <a:off x="8301037" y="1038225"/>
+              <a:ext cx="1" cy="200021"/>
+            </a:xfrm>
+            <a:prstGeom prst="line">
+              <a:avLst/>
+            </a:prstGeom>
+          </p:spPr>
+          <p:style>
+            <a:lnRef idx="1">
+              <a:schemeClr val="accent1"/>
+            </a:lnRef>
+            <a:fillRef idx="0">
+              <a:schemeClr val="accent1"/>
+            </a:fillRef>
+            <a:effectRef idx="0">
+              <a:schemeClr val="accent1"/>
+            </a:effectRef>
+            <a:fontRef idx="minor">
+              <a:schemeClr val="tx1"/>
+            </a:fontRef>
+          </p:style>
+        </p:cxnSp>
+        <p:sp>
+          <p:nvSpPr>
+            <p:cNvPr id="26" name="Rectangle: Rounded Corners 25">
+              <a:extLst>
+                <a:ext uri="{FF2B5EF4-FFF2-40B4-BE49-F238E27FC236}">
+                  <a16:creationId xmlns:a16="http://schemas.microsoft.com/office/drawing/2014/main" id="{4AF9AC3D-C4FE-047F-249B-235B41FD8C58}"/>
+                </a:ext>
+              </a:extLst>
+            </p:cNvPr>
+            <p:cNvSpPr/>
+            <p:nvPr/>
+          </p:nvSpPr>
+          <p:spPr>
+            <a:xfrm>
+              <a:off x="1190625" y="2343150"/>
+              <a:ext cx="1905000" cy="885825"/>
+            </a:xfrm>
+            <a:prstGeom prst="roundRect">
+              <a:avLst/>
+            </a:prstGeom>
+          </p:spPr>
+          <p:style>
+            <a:lnRef idx="2">
+              <a:schemeClr val="accent6"/>
+            </a:lnRef>
+            <a:fillRef idx="1">
+              <a:schemeClr val="lt1"/>
+            </a:fillRef>
+            <a:effectRef idx="0">
+              <a:schemeClr val="accent6"/>
+            </a:effectRef>
+            <a:fontRef idx="minor">
+              <a:schemeClr val="dk1"/>
+            </a:fontRef>
+          </p:style>
+          <p:txBody>
+            <a:bodyPr rtlCol="0" anchor="ctr"/>
+            <a:lstStyle/>
+            <a:p>
+              <a:pPr algn="ctr"/>
+              <a:r>
+                <a:rPr lang="en-IN" sz="1050" dirty="0"/>
+                <a:t>Linear Correlation Analysis Between GHI and other features</a:t>
+              </a:r>
+            </a:p>
+          </p:txBody>
+        </p:sp>
+        <p:sp>
+          <p:nvSpPr>
+            <p:cNvPr id="27" name="Rectangle: Rounded Corners 26">
+              <a:extLst>
+                <a:ext uri="{FF2B5EF4-FFF2-40B4-BE49-F238E27FC236}">
+                  <a16:creationId xmlns:a16="http://schemas.microsoft.com/office/drawing/2014/main" id="{BCF042AF-7EFD-7985-64D4-A8A93BB38A7B}"/>
+                </a:ext>
+              </a:extLst>
+            </p:cNvPr>
+            <p:cNvSpPr/>
+            <p:nvPr/>
+          </p:nvSpPr>
+          <p:spPr>
+            <a:xfrm>
+              <a:off x="5410199" y="3467101"/>
+              <a:ext cx="1838325" cy="638174"/>
+            </a:xfrm>
+            <a:prstGeom prst="roundRect">
+              <a:avLst/>
+            </a:prstGeom>
+          </p:spPr>
+          <p:style>
+            <a:lnRef idx="2">
+              <a:schemeClr val="accent6"/>
+            </a:lnRef>
+            <a:fillRef idx="1">
+              <a:schemeClr val="lt1"/>
+            </a:fillRef>
+            <a:effectRef idx="0">
+              <a:schemeClr val="accent6"/>
+            </a:effectRef>
+            <a:fontRef idx="minor">
+              <a:schemeClr val="dk1"/>
+            </a:fontRef>
+          </p:style>
+          <p:txBody>
+            <a:bodyPr rtlCol="0" anchor="ctr"/>
+            <a:lstStyle/>
+            <a:p>
+              <a:pPr algn="ctr"/>
+              <a:r>
+                <a:rPr lang="en-IN" sz="1050" dirty="0"/>
+                <a:t>Selected features</a:t>
+              </a:r>
+            </a:p>
+          </p:txBody>
+        </p:sp>
+        <p:sp>
+          <p:nvSpPr>
+            <p:cNvPr id="28" name="Rectangle: Rounded Corners 27">
+              <a:extLst>
+                <a:ext uri="{FF2B5EF4-FFF2-40B4-BE49-F238E27FC236}">
+                  <a16:creationId xmlns:a16="http://schemas.microsoft.com/office/drawing/2014/main" id="{050006EA-49F7-2D3D-5D3A-C0D0C71FDE5B}"/>
+                </a:ext>
+              </a:extLst>
+            </p:cNvPr>
+            <p:cNvSpPr/>
+            <p:nvPr/>
+          </p:nvSpPr>
+          <p:spPr>
+            <a:xfrm>
+              <a:off x="3276600" y="2343149"/>
+              <a:ext cx="1905000" cy="885825"/>
+            </a:xfrm>
+            <a:prstGeom prst="roundRect">
+              <a:avLst/>
+            </a:prstGeom>
+          </p:spPr>
+          <p:style>
+            <a:lnRef idx="2">
+              <a:schemeClr val="accent6"/>
+            </a:lnRef>
+            <a:fillRef idx="1">
+              <a:schemeClr val="lt1"/>
+            </a:fillRef>
+            <a:effectRef idx="0">
+              <a:schemeClr val="accent6"/>
+            </a:effectRef>
+            <a:fontRef idx="minor">
+              <a:schemeClr val="dk1"/>
+            </a:fontRef>
+          </p:style>
+          <p:txBody>
+            <a:bodyPr rtlCol="0" anchor="ctr"/>
+            <a:lstStyle/>
+            <a:p>
+              <a:pPr algn="ctr"/>
+              <a:r>
+                <a:rPr lang="en-IN" sz="1050" dirty="0"/>
+                <a:t>Extract Cloud Cover Ratio and Statistical features</a:t>
+              </a:r>
+            </a:p>
+          </p:txBody>
+        </p:sp>
+        <p:sp>
+          <p:nvSpPr>
+            <p:cNvPr id="29" name="Rectangle: Rounded Corners 28">
+              <a:extLst>
+                <a:ext uri="{FF2B5EF4-FFF2-40B4-BE49-F238E27FC236}">
+                  <a16:creationId xmlns:a16="http://schemas.microsoft.com/office/drawing/2014/main" id="{62EDCEFA-36D1-2500-7483-67E72123B5AB}"/>
+                </a:ext>
+              </a:extLst>
+            </p:cNvPr>
+            <p:cNvSpPr/>
+            <p:nvPr/>
+          </p:nvSpPr>
+          <p:spPr>
+            <a:xfrm>
+              <a:off x="5391150" y="2314574"/>
+              <a:ext cx="1838326" cy="838201"/>
+            </a:xfrm>
+            <a:prstGeom prst="roundRect">
+              <a:avLst/>
+            </a:prstGeom>
+          </p:spPr>
+          <p:style>
+            <a:lnRef idx="2">
+              <a:schemeClr val="accent6"/>
+            </a:lnRef>
+            <a:fillRef idx="1">
+              <a:schemeClr val="lt1"/>
+            </a:fillRef>
+            <a:effectRef idx="0">
+              <a:schemeClr val="accent6"/>
+            </a:effectRef>
+            <a:fontRef idx="minor">
+              <a:schemeClr val="dk1"/>
+            </a:fontRef>
+          </p:style>
+          <p:txBody>
+            <a:bodyPr rtlCol="0" anchor="ctr"/>
+            <a:lstStyle/>
+            <a:p>
+              <a:pPr algn="ctr"/>
+              <a:r>
+                <a:rPr lang="en-IN" sz="1050" dirty="0"/>
+                <a:t>Extract Cloud Cover Ratio and Solar Position Detection features</a:t>
+              </a:r>
+            </a:p>
+          </p:txBody>
+        </p:sp>
+        <p:sp>
+          <p:nvSpPr>
+            <p:cNvPr id="30" name="Rectangle: Rounded Corners 29">
+              <a:extLst>
+                <a:ext uri="{FF2B5EF4-FFF2-40B4-BE49-F238E27FC236}">
+                  <a16:creationId xmlns:a16="http://schemas.microsoft.com/office/drawing/2014/main" id="{FE67E7A4-D286-DCEF-009E-F07E8A6A4CF5}"/>
+                </a:ext>
+              </a:extLst>
+            </p:cNvPr>
+            <p:cNvSpPr/>
+            <p:nvPr/>
+          </p:nvSpPr>
+          <p:spPr>
+            <a:xfrm>
+              <a:off x="7448550" y="2281234"/>
+              <a:ext cx="1905000" cy="885825"/>
+            </a:xfrm>
+            <a:prstGeom prst="roundRect">
+              <a:avLst/>
+            </a:prstGeom>
+          </p:spPr>
+          <p:style>
+            <a:lnRef idx="2">
+              <a:schemeClr val="accent6"/>
+            </a:lnRef>
+            <a:fillRef idx="1">
+              <a:schemeClr val="lt1"/>
+            </a:fillRef>
+            <a:effectRef idx="0">
+              <a:schemeClr val="accent6"/>
+            </a:effectRef>
+            <a:fontRef idx="minor">
+              <a:schemeClr val="dk1"/>
+            </a:fontRef>
+          </p:style>
+          <p:txBody>
+            <a:bodyPr rtlCol="0" anchor="ctr"/>
+            <a:lstStyle/>
+            <a:p>
+              <a:pPr algn="ctr"/>
+              <a:r>
+                <a:rPr lang="en-IN" sz="1050" dirty="0"/>
+                <a:t>Analysis Statistical features</a:t>
+              </a:r>
+            </a:p>
+          </p:txBody>
+        </p:sp>
+        <p:sp>
+          <p:nvSpPr>
+            <p:cNvPr id="33" name="Rectangle: Rounded Corners 32">
+              <a:extLst>
+                <a:ext uri="{FF2B5EF4-FFF2-40B4-BE49-F238E27FC236}">
+                  <a16:creationId xmlns:a16="http://schemas.microsoft.com/office/drawing/2014/main" id="{C2DF6951-A16C-8CE7-A3C2-6D35C973D820}"/>
+                </a:ext>
+              </a:extLst>
+            </p:cNvPr>
+            <p:cNvSpPr/>
+            <p:nvPr/>
+          </p:nvSpPr>
+          <p:spPr>
+            <a:xfrm>
+              <a:off x="9534525" y="2262184"/>
+              <a:ext cx="1905000" cy="885825"/>
+            </a:xfrm>
+            <a:prstGeom prst="roundRect">
+              <a:avLst/>
+            </a:prstGeom>
+          </p:spPr>
+          <p:style>
+            <a:lnRef idx="2">
+              <a:schemeClr val="accent6"/>
+            </a:lnRef>
+            <a:fillRef idx="1">
+              <a:schemeClr val="lt1"/>
+            </a:fillRef>
+            <a:effectRef idx="0">
+              <a:schemeClr val="accent6"/>
+            </a:effectRef>
+            <a:fontRef idx="minor">
+              <a:schemeClr val="dk1"/>
+            </a:fontRef>
+          </p:style>
+          <p:txBody>
+            <a:bodyPr rtlCol="0" anchor="ctr"/>
+            <a:lstStyle/>
+            <a:p>
+              <a:pPr algn="ctr"/>
+              <a:r>
+                <a:rPr lang="en-IN" sz="1050" dirty="0"/>
+                <a:t>Time Series Analysis</a:t>
+              </a:r>
+            </a:p>
+          </p:txBody>
+        </p:sp>
+        <p:sp>
+          <p:nvSpPr>
+            <p:cNvPr id="34" name="Rectangle: Rounded Corners 33">
+              <a:extLst>
+                <a:ext uri="{FF2B5EF4-FFF2-40B4-BE49-F238E27FC236}">
+                  <a16:creationId xmlns:a16="http://schemas.microsoft.com/office/drawing/2014/main" id="{F1533960-EC97-2DBE-FA82-407A545352C8}"/>
+                </a:ext>
+              </a:extLst>
+            </p:cNvPr>
+            <p:cNvSpPr/>
+            <p:nvPr/>
+          </p:nvSpPr>
+          <p:spPr>
+            <a:xfrm>
+              <a:off x="5400675" y="4305300"/>
+              <a:ext cx="1857374" cy="457199"/>
+            </a:xfrm>
+            <a:prstGeom prst="roundRect">
+              <a:avLst/>
+            </a:prstGeom>
+          </p:spPr>
+          <p:style>
+            <a:lnRef idx="2">
+              <a:schemeClr val="accent6"/>
+            </a:lnRef>
+            <a:fillRef idx="1">
+              <a:schemeClr val="lt1"/>
+            </a:fillRef>
+            <a:effectRef idx="0">
+              <a:schemeClr val="accent6"/>
+            </a:effectRef>
+            <a:fontRef idx="minor">
+              <a:schemeClr val="dk1"/>
+            </a:fontRef>
+          </p:style>
+          <p:txBody>
+            <a:bodyPr rtlCol="0" anchor="ctr"/>
+            <a:lstStyle/>
+            <a:p>
+              <a:pPr algn="ctr"/>
+              <a:r>
+                <a:rPr lang="en-IN" sz="1050" dirty="0"/>
+                <a:t>LSTM with Autoregressive LSTM RNN Model</a:t>
+              </a:r>
+            </a:p>
+          </p:txBody>
+        </p:sp>
+        <p:sp>
+          <p:nvSpPr>
+            <p:cNvPr id="35" name="Rectangle: Rounded Corners 34">
+              <a:extLst>
+                <a:ext uri="{FF2B5EF4-FFF2-40B4-BE49-F238E27FC236}">
+                  <a16:creationId xmlns:a16="http://schemas.microsoft.com/office/drawing/2014/main" id="{C9704361-6BEF-3A90-755E-FCF6A109B788}"/>
+                </a:ext>
+              </a:extLst>
+            </p:cNvPr>
+            <p:cNvSpPr/>
+            <p:nvPr/>
+          </p:nvSpPr>
+          <p:spPr>
+            <a:xfrm>
+              <a:off x="5400675" y="5105404"/>
+              <a:ext cx="1857374" cy="457194"/>
+            </a:xfrm>
+            <a:prstGeom prst="roundRect">
+              <a:avLst/>
+            </a:prstGeom>
+          </p:spPr>
+          <p:style>
+            <a:lnRef idx="2">
+              <a:schemeClr val="accent6"/>
+            </a:lnRef>
+            <a:fillRef idx="1">
+              <a:schemeClr val="lt1"/>
+            </a:fillRef>
+            <a:effectRef idx="0">
+              <a:schemeClr val="accent6"/>
+            </a:effectRef>
+            <a:fontRef idx="minor">
+              <a:schemeClr val="dk1"/>
+            </a:fontRef>
+          </p:style>
+          <p:txBody>
+            <a:bodyPr rtlCol="0" anchor="ctr"/>
+            <a:lstStyle/>
+            <a:p>
+              <a:pPr algn="ctr"/>
+              <a:r>
+                <a:rPr lang="en-IN" sz="1050" dirty="0"/>
+                <a:t>Predicted Irradiance GHI</a:t>
+              </a:r>
+            </a:p>
+          </p:txBody>
+        </p:sp>
+        <p:sp>
+          <p:nvSpPr>
+            <p:cNvPr id="37" name="Oval 36">
+              <a:extLst>
+                <a:ext uri="{FF2B5EF4-FFF2-40B4-BE49-F238E27FC236}">
+                  <a16:creationId xmlns:a16="http://schemas.microsoft.com/office/drawing/2014/main" id="{45D30BE9-5E4F-27A7-598B-3037DAF7B193}"/>
+                </a:ext>
+              </a:extLst>
+            </p:cNvPr>
+            <p:cNvSpPr/>
+            <p:nvPr/>
+          </p:nvSpPr>
+          <p:spPr>
+            <a:xfrm>
+              <a:off x="5600700" y="5791200"/>
+              <a:ext cx="1457325" cy="542925"/>
+            </a:xfrm>
+            <a:prstGeom prst="ellipse">
+              <a:avLst/>
+            </a:prstGeom>
+          </p:spPr>
+          <p:style>
+            <a:lnRef idx="2">
+              <a:schemeClr val="accent6"/>
+            </a:lnRef>
+            <a:fillRef idx="1">
+              <a:schemeClr val="lt1"/>
+            </a:fillRef>
+            <a:effectRef idx="0">
+              <a:schemeClr val="accent6"/>
+            </a:effectRef>
+            <a:fontRef idx="minor">
+              <a:schemeClr val="dk1"/>
+            </a:fontRef>
+          </p:style>
+          <p:txBody>
+            <a:bodyPr rtlCol="0" anchor="ctr"/>
+            <a:lstStyle/>
+            <a:p>
+              <a:pPr algn="ctr"/>
+              <a:r>
+                <a:rPr lang="en-IN" sz="1050" dirty="0"/>
+                <a:t>End</a:t>
+              </a:r>
+            </a:p>
+          </p:txBody>
+        </p:sp>
+        <p:cxnSp>
+          <p:nvCxnSpPr>
+            <p:cNvPr id="39" name="Straight Arrow Connector 38">
+              <a:extLst>
+                <a:ext uri="{FF2B5EF4-FFF2-40B4-BE49-F238E27FC236}">
+                  <a16:creationId xmlns:a16="http://schemas.microsoft.com/office/drawing/2014/main" id="{62C7B2E1-4DF9-76F9-86BC-2EC929C80D25}"/>
+                </a:ext>
+              </a:extLst>
+            </p:cNvPr>
+            <p:cNvCxnSpPr>
+              <a:stCxn id="5" idx="2"/>
+              <a:endCxn id="26" idx="0"/>
+            </p:cNvCxnSpPr>
+            <p:nvPr/>
+          </p:nvCxnSpPr>
+          <p:spPr>
+            <a:xfrm>
+              <a:off x="2138363" y="2028825"/>
+              <a:ext cx="4762" cy="314325"/>
+            </a:xfrm>
+            <a:prstGeom prst="straightConnector1">
+              <a:avLst/>
+            </a:prstGeom>
+            <a:ln>
+              <a:tailEnd type="triangle"/>
+            </a:ln>
+          </p:spPr>
+          <p:style>
+            <a:lnRef idx="1">
+              <a:schemeClr val="accent1"/>
+            </a:lnRef>
+            <a:fillRef idx="0">
+              <a:schemeClr val="accent1"/>
+            </a:fillRef>
+            <a:effectRef idx="0">
+              <a:schemeClr val="accent1"/>
+            </a:effectRef>
+            <a:fontRef idx="minor">
+              <a:schemeClr val="tx1"/>
+            </a:fontRef>
+          </p:style>
+        </p:cxnSp>
+        <p:cxnSp>
+          <p:nvCxnSpPr>
+            <p:cNvPr id="40" name="Straight Arrow Connector 39">
+              <a:extLst>
+                <a:ext uri="{FF2B5EF4-FFF2-40B4-BE49-F238E27FC236}">
+                  <a16:creationId xmlns:a16="http://schemas.microsoft.com/office/drawing/2014/main" id="{457F2BC5-84A8-FD00-560C-4FDF28E7B597}"/>
+                </a:ext>
+              </a:extLst>
+            </p:cNvPr>
+            <p:cNvCxnSpPr>
+              <a:cxnSpLocks/>
+              <a:stCxn id="6" idx="2"/>
+              <a:endCxn id="28" idx="0"/>
+            </p:cNvCxnSpPr>
+            <p:nvPr/>
+          </p:nvCxnSpPr>
+          <p:spPr>
+            <a:xfrm>
+              <a:off x="4224338" y="2028822"/>
+              <a:ext cx="4762" cy="314327"/>
+            </a:xfrm>
+            <a:prstGeom prst="straightConnector1">
+              <a:avLst/>
+            </a:prstGeom>
+            <a:ln>
+              <a:tailEnd type="triangle"/>
+            </a:ln>
+          </p:spPr>
+          <p:style>
+            <a:lnRef idx="1">
+              <a:schemeClr val="accent1"/>
+            </a:lnRef>
+            <a:fillRef idx="0">
+              <a:schemeClr val="accent1"/>
+            </a:fillRef>
+            <a:effectRef idx="0">
+              <a:schemeClr val="accent1"/>
+            </a:effectRef>
+            <a:fontRef idx="minor">
+              <a:schemeClr val="tx1"/>
+            </a:fontRef>
+          </p:style>
+        </p:cxnSp>
+        <p:cxnSp>
+          <p:nvCxnSpPr>
+            <p:cNvPr id="43" name="Straight Arrow Connector 42">
+              <a:extLst>
+                <a:ext uri="{FF2B5EF4-FFF2-40B4-BE49-F238E27FC236}">
+                  <a16:creationId xmlns:a16="http://schemas.microsoft.com/office/drawing/2014/main" id="{B35904B0-B301-7FBE-680A-FB2F4D249332}"/>
+                </a:ext>
+              </a:extLst>
+            </p:cNvPr>
+            <p:cNvCxnSpPr>
+              <a:cxnSpLocks/>
+              <a:stCxn id="7" idx="2"/>
+              <a:endCxn id="29" idx="0"/>
+            </p:cNvCxnSpPr>
+            <p:nvPr/>
+          </p:nvCxnSpPr>
+          <p:spPr>
+            <a:xfrm>
+              <a:off x="6310313" y="2028822"/>
+              <a:ext cx="0" cy="285752"/>
+            </a:xfrm>
+            <a:prstGeom prst="straightConnector1">
+              <a:avLst/>
+            </a:prstGeom>
+            <a:ln>
+              <a:tailEnd type="triangle"/>
+            </a:ln>
+          </p:spPr>
+          <p:style>
+            <a:lnRef idx="1">
+              <a:schemeClr val="accent1"/>
+            </a:lnRef>
+            <a:fillRef idx="0">
+              <a:schemeClr val="accent1"/>
+            </a:fillRef>
+            <a:effectRef idx="0">
+              <a:schemeClr val="accent1"/>
+            </a:effectRef>
+            <a:fontRef idx="minor">
+              <a:schemeClr val="tx1"/>
+            </a:fontRef>
+          </p:style>
+        </p:cxnSp>
+        <p:cxnSp>
+          <p:nvCxnSpPr>
+            <p:cNvPr id="46" name="Straight Arrow Connector 45">
+              <a:extLst>
+                <a:ext uri="{FF2B5EF4-FFF2-40B4-BE49-F238E27FC236}">
+                  <a16:creationId xmlns:a16="http://schemas.microsoft.com/office/drawing/2014/main" id="{E5B0C253-9205-02FF-9033-101CBFF592B8}"/>
+                </a:ext>
+              </a:extLst>
+            </p:cNvPr>
+            <p:cNvCxnSpPr>
+              <a:cxnSpLocks/>
+              <a:stCxn id="11" idx="2"/>
+              <a:endCxn id="30" idx="0"/>
+            </p:cNvCxnSpPr>
+            <p:nvPr/>
+          </p:nvCxnSpPr>
+          <p:spPr>
+            <a:xfrm>
+              <a:off x="8396288" y="2028822"/>
+              <a:ext cx="4762" cy="252412"/>
+            </a:xfrm>
+            <a:prstGeom prst="straightConnector1">
+              <a:avLst/>
+            </a:prstGeom>
+            <a:ln>
+              <a:tailEnd type="triangle"/>
+            </a:ln>
+          </p:spPr>
+          <p:style>
+            <a:lnRef idx="1">
+              <a:schemeClr val="accent1"/>
+            </a:lnRef>
+            <a:fillRef idx="0">
+              <a:schemeClr val="accent1"/>
+            </a:fillRef>
+            <a:effectRef idx="0">
+              <a:schemeClr val="accent1"/>
+            </a:effectRef>
+            <a:fontRef idx="minor">
+              <a:schemeClr val="tx1"/>
+            </a:fontRef>
+          </p:style>
+        </p:cxnSp>
+        <p:cxnSp>
+          <p:nvCxnSpPr>
+            <p:cNvPr id="49" name="Straight Arrow Connector 48">
+              <a:extLst>
+                <a:ext uri="{FF2B5EF4-FFF2-40B4-BE49-F238E27FC236}">
+                  <a16:creationId xmlns:a16="http://schemas.microsoft.com/office/drawing/2014/main" id="{6D44E82A-833C-E583-FE49-EB7A5AED2F86}"/>
+                </a:ext>
+              </a:extLst>
+            </p:cNvPr>
+            <p:cNvCxnSpPr>
+              <a:cxnSpLocks/>
+              <a:stCxn id="12" idx="2"/>
+              <a:endCxn id="33" idx="0"/>
+            </p:cNvCxnSpPr>
+            <p:nvPr/>
+          </p:nvCxnSpPr>
+          <p:spPr>
+            <a:xfrm>
+              <a:off x="10482263" y="2028822"/>
+              <a:ext cx="4762" cy="233362"/>
+            </a:xfrm>
+            <a:prstGeom prst="straightConnector1">
+              <a:avLst/>
+            </a:prstGeom>
+            <a:ln>
+              <a:tailEnd type="triangle"/>
+            </a:ln>
+          </p:spPr>
+          <p:style>
+            <a:lnRef idx="1">
+              <a:schemeClr val="accent1"/>
+            </a:lnRef>
+            <a:fillRef idx="0">
+              <a:schemeClr val="accent1"/>
+            </a:fillRef>
+            <a:effectRef idx="0">
+              <a:schemeClr val="accent1"/>
+            </a:effectRef>
+            <a:fontRef idx="minor">
+              <a:schemeClr val="tx1"/>
+            </a:fontRef>
+          </p:style>
+        </p:cxnSp>
+        <p:cxnSp>
+          <p:nvCxnSpPr>
+            <p:cNvPr id="54" name="Straight Arrow Connector 53">
+              <a:extLst>
+                <a:ext uri="{FF2B5EF4-FFF2-40B4-BE49-F238E27FC236}">
+                  <a16:creationId xmlns:a16="http://schemas.microsoft.com/office/drawing/2014/main" id="{E1BE89D9-4F46-6266-F7AA-9DE9CA904633}"/>
+                </a:ext>
+              </a:extLst>
+            </p:cNvPr>
+            <p:cNvCxnSpPr>
+              <a:cxnSpLocks/>
+              <a:stCxn id="29" idx="2"/>
+              <a:endCxn id="27" idx="0"/>
+            </p:cNvCxnSpPr>
+            <p:nvPr/>
+          </p:nvCxnSpPr>
+          <p:spPr>
+            <a:xfrm>
+              <a:off x="6310313" y="3152775"/>
+              <a:ext cx="19049" cy="314326"/>
+            </a:xfrm>
+            <a:prstGeom prst="straightConnector1">
+              <a:avLst/>
+            </a:prstGeom>
+            <a:ln>
+              <a:tailEnd type="triangle"/>
+            </a:ln>
+          </p:spPr>
+          <p:style>
+            <a:lnRef idx="1">
+              <a:schemeClr val="accent1"/>
+            </a:lnRef>
+            <a:fillRef idx="0">
+              <a:schemeClr val="accent1"/>
+            </a:fillRef>
+            <a:effectRef idx="0">
+              <a:schemeClr val="accent1"/>
+            </a:effectRef>
+            <a:fontRef idx="minor">
+              <a:schemeClr val="tx1"/>
+            </a:fontRef>
+          </p:style>
+        </p:cxnSp>
+        <p:cxnSp>
+          <p:nvCxnSpPr>
+            <p:cNvPr id="62" name="Straight Arrow Connector 61">
+              <a:extLst>
+                <a:ext uri="{FF2B5EF4-FFF2-40B4-BE49-F238E27FC236}">
+                  <a16:creationId xmlns:a16="http://schemas.microsoft.com/office/drawing/2014/main" id="{4523E120-EF3E-C992-B60E-13FE5F871858}"/>
+                </a:ext>
+              </a:extLst>
+            </p:cNvPr>
+            <p:cNvCxnSpPr>
+              <a:cxnSpLocks/>
+              <a:stCxn id="27" idx="2"/>
+              <a:endCxn id="34" idx="0"/>
+            </p:cNvCxnSpPr>
+            <p:nvPr/>
+          </p:nvCxnSpPr>
+          <p:spPr>
+            <a:xfrm>
+              <a:off x="6329362" y="4105275"/>
+              <a:ext cx="0" cy="200025"/>
+            </a:xfrm>
+            <a:prstGeom prst="straightConnector1">
+              <a:avLst/>
+            </a:prstGeom>
+            <a:ln>
+              <a:tailEnd type="triangle"/>
+            </a:ln>
+          </p:spPr>
+          <p:style>
+            <a:lnRef idx="1">
+              <a:schemeClr val="accent1"/>
+            </a:lnRef>
+            <a:fillRef idx="0">
+              <a:schemeClr val="accent1"/>
+            </a:fillRef>
+            <a:effectRef idx="0">
+              <a:schemeClr val="accent1"/>
+            </a:effectRef>
+            <a:fontRef idx="minor">
+              <a:schemeClr val="tx1"/>
+            </a:fontRef>
+          </p:style>
+        </p:cxnSp>
+        <p:cxnSp>
+          <p:nvCxnSpPr>
+            <p:cNvPr id="66" name="Straight Arrow Connector 65">
+              <a:extLst>
+                <a:ext uri="{FF2B5EF4-FFF2-40B4-BE49-F238E27FC236}">
+                  <a16:creationId xmlns:a16="http://schemas.microsoft.com/office/drawing/2014/main" id="{DA650535-3422-60DA-80EC-CCDC23D86B73}"/>
+                </a:ext>
+              </a:extLst>
+            </p:cNvPr>
+            <p:cNvCxnSpPr>
+              <a:cxnSpLocks/>
+              <a:stCxn id="34" idx="2"/>
+              <a:endCxn id="35" idx="0"/>
+            </p:cNvCxnSpPr>
+            <p:nvPr/>
+          </p:nvCxnSpPr>
+          <p:spPr>
+            <a:xfrm>
+              <a:off x="6329362" y="4762499"/>
+              <a:ext cx="0" cy="342905"/>
+            </a:xfrm>
+            <a:prstGeom prst="straightConnector1">
+              <a:avLst/>
+            </a:prstGeom>
+            <a:ln>
+              <a:tailEnd type="triangle"/>
+            </a:ln>
+          </p:spPr>
+          <p:style>
+            <a:lnRef idx="1">
+              <a:schemeClr val="accent1"/>
+            </a:lnRef>
+            <a:fillRef idx="0">
+              <a:schemeClr val="accent1"/>
+            </a:fillRef>
+            <a:effectRef idx="0">
+              <a:schemeClr val="accent1"/>
+            </a:effectRef>
+            <a:fontRef idx="minor">
+              <a:schemeClr val="tx1"/>
+            </a:fontRef>
+          </p:style>
+        </p:cxnSp>
+        <p:cxnSp>
+          <p:nvCxnSpPr>
+            <p:cNvPr id="70" name="Straight Arrow Connector 69">
+              <a:extLst>
+                <a:ext uri="{FF2B5EF4-FFF2-40B4-BE49-F238E27FC236}">
+                  <a16:creationId xmlns:a16="http://schemas.microsoft.com/office/drawing/2014/main" id="{84C41D48-7C01-A5C5-3443-4B55D37C4874}"/>
+                </a:ext>
+              </a:extLst>
+            </p:cNvPr>
+            <p:cNvCxnSpPr>
+              <a:cxnSpLocks/>
+              <a:stCxn id="35" idx="2"/>
+              <a:endCxn id="37" idx="0"/>
+            </p:cNvCxnSpPr>
+            <p:nvPr/>
+          </p:nvCxnSpPr>
+          <p:spPr>
+            <a:xfrm>
+              <a:off x="6329362" y="5562598"/>
+              <a:ext cx="1" cy="228602"/>
+            </a:xfrm>
+            <a:prstGeom prst="straightConnector1">
+              <a:avLst/>
+            </a:prstGeom>
+            <a:ln>
+              <a:tailEnd type="triangle"/>
+            </a:ln>
+          </p:spPr>
+          <p:style>
+            <a:lnRef idx="1">
+              <a:schemeClr val="accent1"/>
+            </a:lnRef>
+            <a:fillRef idx="0">
+              <a:schemeClr val="accent1"/>
+            </a:fillRef>
+            <a:effectRef idx="0">
+              <a:schemeClr val="accent1"/>
+            </a:effectRef>
+            <a:fontRef idx="minor">
+              <a:schemeClr val="tx1"/>
+            </a:fontRef>
+          </p:style>
+        </p:cxnSp>
+      </p:grpSp>
+    </p:spTree>
+    <p:extLst>
+      <p:ext uri="{BB962C8B-B14F-4D97-AF65-F5344CB8AC3E}">
+        <p14:creationId xmlns:p14="http://schemas.microsoft.com/office/powerpoint/2010/main" val="3529687577"/>
+      </p:ext>
+    </p:extLst>
+  </p:cSld>
+  <p:clrMapOvr>
+    <a:masterClrMapping/>
+  </p:clrMapOvr>
+</p:sld>
+</file>
+
+<file path=ppt/slides/slide6.xml><?xml version="1.0" encoding="utf-8"?>
+<p:sld xmlns:a="http://schemas.openxmlformats.org/drawingml/2006/main" xmlns:r="http://schemas.openxmlformats.org/officeDocument/2006/relationships" xmlns:p="http://schemas.openxmlformats.org/presentationml/2006/main">
+  <p:cSld>
+    <p:spTree>
+      <p:nvGrpSpPr>
+        <p:cNvPr id="1" name=""/>
+        <p:cNvGrpSpPr/>
+        <p:nvPr/>
+      </p:nvGrpSpPr>
+      <p:grpSpPr>
+        <a:xfrm>
+          <a:off x="0" y="0"/>
+          <a:ext cx="0" cy="0"/>
+          <a:chOff x="0" y="0"/>
+          <a:chExt cx="0" cy="0"/>
+        </a:xfrm>
+      </p:grpSpPr>
+      <p:sp>
+        <p:nvSpPr>
+          <p:cNvPr id="2" name="Title 1">
+            <a:extLst>
+              <a:ext uri="{FF2B5EF4-FFF2-40B4-BE49-F238E27FC236}">
+                <a16:creationId xmlns:a16="http://schemas.microsoft.com/office/drawing/2014/main" id="{CCC09F4D-D8F5-F3DB-1FA2-173343FAE243}"/>
+              </a:ext>
+            </a:extLst>
+          </p:cNvPr>
+          <p:cNvSpPr>
+            <a:spLocks noGrp="1"/>
+          </p:cNvSpPr>
+          <p:nvPr>
+            <p:ph type="title"/>
+          </p:nvPr>
+        </p:nvSpPr>
+        <p:spPr/>
+        <p:txBody>
+          <a:bodyPr/>
+          <a:lstStyle/>
+          <a:p>
+            <a:pPr algn="ctr"/>
+            <a:r>
+              <a:rPr lang="en-US" sz="4400" dirty="0">
+                <a:effectLst/>
+                <a:ea typeface="Calibri" panose="020F0502020204030204" pitchFamily="34" charset="0"/>
+                <a:cs typeface="Times New Roman" panose="02020603050405020304" pitchFamily="18" charset="0"/>
+              </a:rPr>
+              <a:t>Whole Sky Cameras Imagery</a:t>
+            </a:r>
+            <a:r>
+              <a:rPr lang="en-IN" sz="4400" dirty="0">
+                <a:ea typeface="Calibri" panose="020F0502020204030204" pitchFamily="34" charset="0"/>
+                <a:cs typeface="Times New Roman" panose="02020603050405020304" pitchFamily="18" charset="0"/>
+              </a:rPr>
+              <a:t> Processing</a:t>
+            </a:r>
+            <a:endParaRPr lang="en-IN" dirty="0"/>
+          </a:p>
+        </p:txBody>
+      </p:sp>
+      <p:grpSp>
+        <p:nvGrpSpPr>
+          <p:cNvPr id="26" name="Group 25">
+            <a:extLst>
+              <a:ext uri="{FF2B5EF4-FFF2-40B4-BE49-F238E27FC236}">
+                <a16:creationId xmlns:a16="http://schemas.microsoft.com/office/drawing/2014/main" id="{0BFE4E4E-7493-6D6F-2E06-84F4FE333C62}"/>
+              </a:ext>
+            </a:extLst>
+          </p:cNvPr>
+          <p:cNvGrpSpPr/>
+          <p:nvPr/>
+        </p:nvGrpSpPr>
+        <p:grpSpPr>
+          <a:xfrm>
+            <a:off x="1700213" y="1847850"/>
+            <a:ext cx="8948736" cy="3804166"/>
+            <a:chOff x="1900238" y="1466850"/>
+            <a:chExt cx="8948736" cy="3804166"/>
+          </a:xfrm>
+        </p:grpSpPr>
+        <p:sp>
+          <p:nvSpPr>
+            <p:cNvPr id="4" name="TextBox 3">
+              <a:extLst>
+                <a:ext uri="{FF2B5EF4-FFF2-40B4-BE49-F238E27FC236}">
+                  <a16:creationId xmlns:a16="http://schemas.microsoft.com/office/drawing/2014/main" id="{EF6BE1DF-4FA0-C5FC-B0C2-1D6D7543FABE}"/>
+                </a:ext>
+              </a:extLst>
+            </p:cNvPr>
+            <p:cNvSpPr txBox="1"/>
+            <p:nvPr/>
+          </p:nvSpPr>
+          <p:spPr>
+            <a:xfrm>
+              <a:off x="1971675" y="3724275"/>
+              <a:ext cx="1981200" cy="369332"/>
+            </a:xfrm>
+            <a:prstGeom prst="rect">
+              <a:avLst/>
+            </a:prstGeom>
+            <a:noFill/>
+          </p:spPr>
+          <p:txBody>
+            <a:bodyPr wrap="square" rtlCol="0">
+              <a:spAutoFit/>
+            </a:bodyPr>
+            <a:lstStyle/>
+            <a:p>
+              <a:pPr algn="ctr"/>
+              <a:r>
+                <a:rPr lang="en-IN" dirty="0"/>
+                <a:t>Fish-Eye Image</a:t>
+              </a:r>
+            </a:p>
+          </p:txBody>
+        </p:sp>
+        <p:sp>
+          <p:nvSpPr>
+            <p:cNvPr id="5" name="TextBox 4">
+              <a:extLst>
+                <a:ext uri="{FF2B5EF4-FFF2-40B4-BE49-F238E27FC236}">
+                  <a16:creationId xmlns:a16="http://schemas.microsoft.com/office/drawing/2014/main" id="{4FA609DA-92A1-FBF5-674D-97C44025A5A1}"/>
+                </a:ext>
+              </a:extLst>
+            </p:cNvPr>
+            <p:cNvSpPr txBox="1"/>
+            <p:nvPr/>
+          </p:nvSpPr>
+          <p:spPr>
+            <a:xfrm>
+              <a:off x="4191000" y="3743325"/>
+              <a:ext cx="1981200" cy="369332"/>
+            </a:xfrm>
+            <a:prstGeom prst="rect">
+              <a:avLst/>
+            </a:prstGeom>
+            <a:noFill/>
+          </p:spPr>
+          <p:txBody>
+            <a:bodyPr wrap="square" rtlCol="0">
+              <a:spAutoFit/>
+            </a:bodyPr>
+            <a:lstStyle/>
+            <a:p>
+              <a:pPr algn="ctr"/>
+              <a:r>
+                <a:rPr lang="en-IN" dirty="0"/>
+                <a:t>Flat Image</a:t>
+              </a:r>
+            </a:p>
+          </p:txBody>
+        </p:sp>
+        <p:pic>
+          <p:nvPicPr>
+            <p:cNvPr id="3078" name="Picture 6">
+              <a:extLst>
+                <a:ext uri="{FF2B5EF4-FFF2-40B4-BE49-F238E27FC236}">
+                  <a16:creationId xmlns:a16="http://schemas.microsoft.com/office/drawing/2014/main" id="{62835604-2346-65AB-B945-89629632149C}"/>
+                </a:ext>
+              </a:extLst>
+            </p:cNvPr>
+            <p:cNvPicPr>
+              <a:picLocks noChangeAspect="1" noChangeArrowheads="1"/>
+            </p:cNvPicPr>
+            <p:nvPr/>
+          </p:nvPicPr>
+          <p:blipFill>
+            <a:blip r:embed="rId2">
+              <a:extLst>
+                <a:ext uri="{28A0092B-C50C-407E-A947-70E740481C1C}">
+                  <a14:useLocalDpi xmlns:a14="http://schemas.microsoft.com/office/drawing/2010/main" val="0"/>
+                </a:ext>
+              </a:extLst>
+            </a:blip>
+            <a:srcRect/>
+            <a:stretch>
+              <a:fillRect/>
+            </a:stretch>
+          </p:blipFill>
+          <p:spPr bwMode="auto">
+            <a:xfrm>
+              <a:off x="1900238" y="1466850"/>
+              <a:ext cx="1962150" cy="1962150"/>
+            </a:xfrm>
+            <a:prstGeom prst="rect">
+              <a:avLst/>
+            </a:prstGeom>
+            <a:noFill/>
+            <a:extLst>
+              <a:ext uri="{909E8E84-426E-40DD-AFC4-6F175D3DCCD1}">
+                <a14:hiddenFill xmlns:a14="http://schemas.microsoft.com/office/drawing/2010/main">
+                  <a:solidFill>
+                    <a:srgbClr val="FFFFFF"/>
+                  </a:solidFill>
+                </a14:hiddenFill>
+              </a:ext>
+            </a:extLst>
+          </p:spPr>
+        </p:pic>
+        <p:pic>
+          <p:nvPicPr>
+            <p:cNvPr id="3080" name="Picture 8">
+              <a:extLst>
+                <a:ext uri="{FF2B5EF4-FFF2-40B4-BE49-F238E27FC236}">
+                  <a16:creationId xmlns:a16="http://schemas.microsoft.com/office/drawing/2014/main" id="{8C4C3083-AB05-E32A-BE15-8460E633EC91}"/>
+                </a:ext>
+              </a:extLst>
+            </p:cNvPr>
+            <p:cNvPicPr>
+              <a:picLocks noChangeAspect="1" noChangeArrowheads="1"/>
+            </p:cNvPicPr>
+            <p:nvPr/>
+          </p:nvPicPr>
+          <p:blipFill>
+            <a:blip r:embed="rId3">
+              <a:extLst>
+                <a:ext uri="{28A0092B-C50C-407E-A947-70E740481C1C}">
+                  <a14:useLocalDpi xmlns:a14="http://schemas.microsoft.com/office/drawing/2010/main" val="0"/>
+                </a:ext>
+              </a:extLst>
+            </a:blip>
+            <a:srcRect/>
+            <a:stretch>
+              <a:fillRect/>
+            </a:stretch>
+          </p:blipFill>
+          <p:spPr bwMode="auto">
+            <a:xfrm>
+              <a:off x="4200525" y="1466850"/>
+              <a:ext cx="1962150" cy="1962150"/>
+            </a:xfrm>
+            <a:prstGeom prst="rect">
+              <a:avLst/>
+            </a:prstGeom>
+            <a:noFill/>
+            <a:extLst>
+              <a:ext uri="{909E8E84-426E-40DD-AFC4-6F175D3DCCD1}">
+                <a14:hiddenFill xmlns:a14="http://schemas.microsoft.com/office/drawing/2010/main">
+                  <a:solidFill>
+                    <a:srgbClr val="FFFFFF"/>
+                  </a:solidFill>
+                </a14:hiddenFill>
+              </a:ext>
+            </a:extLst>
+          </p:spPr>
+        </p:pic>
+        <p:pic>
+          <p:nvPicPr>
+            <p:cNvPr id="3082" name="Picture 10">
+              <a:extLst>
+                <a:ext uri="{FF2B5EF4-FFF2-40B4-BE49-F238E27FC236}">
+                  <a16:creationId xmlns:a16="http://schemas.microsoft.com/office/drawing/2014/main" id="{9F250DFA-AB9A-B4D5-C67E-291F04B57490}"/>
+                </a:ext>
+              </a:extLst>
+            </p:cNvPr>
+            <p:cNvPicPr>
+              <a:picLocks noChangeAspect="1" noChangeArrowheads="1"/>
+            </p:cNvPicPr>
+            <p:nvPr/>
+          </p:nvPicPr>
+          <p:blipFill>
+            <a:blip r:embed="rId4">
+              <a:extLst>
+                <a:ext uri="{28A0092B-C50C-407E-A947-70E740481C1C}">
+                  <a14:useLocalDpi xmlns:a14="http://schemas.microsoft.com/office/drawing/2010/main" val="0"/>
+                </a:ext>
+              </a:extLst>
+            </a:blip>
+            <a:srcRect/>
+            <a:stretch>
+              <a:fillRect/>
+            </a:stretch>
+          </p:blipFill>
+          <p:spPr bwMode="auto">
+            <a:xfrm>
+              <a:off x="6529387" y="1466850"/>
+              <a:ext cx="1962150" cy="1962150"/>
+            </a:xfrm>
+            <a:prstGeom prst="rect">
+              <a:avLst/>
+            </a:prstGeom>
+            <a:noFill/>
+            <a:extLst>
+              <a:ext uri="{909E8E84-426E-40DD-AFC4-6F175D3DCCD1}">
+                <a14:hiddenFill xmlns:a14="http://schemas.microsoft.com/office/drawing/2010/main">
+                  <a:solidFill>
+                    <a:srgbClr val="FFFFFF"/>
+                  </a:solidFill>
+                </a14:hiddenFill>
+              </a:ext>
+            </a:extLst>
+          </p:spPr>
+        </p:pic>
+        <p:sp>
+          <p:nvSpPr>
+            <p:cNvPr id="6" name="TextBox 5">
+              <a:extLst>
+                <a:ext uri="{FF2B5EF4-FFF2-40B4-BE49-F238E27FC236}">
+                  <a16:creationId xmlns:a16="http://schemas.microsoft.com/office/drawing/2014/main" id="{7FE7D313-DE69-C964-F2FD-7A08568FD94B}"/>
+                </a:ext>
+              </a:extLst>
+            </p:cNvPr>
+            <p:cNvSpPr txBox="1"/>
+            <p:nvPr/>
+          </p:nvSpPr>
+          <p:spPr>
+            <a:xfrm>
+              <a:off x="6529387" y="3770441"/>
+              <a:ext cx="1981200" cy="646331"/>
+            </a:xfrm>
+            <a:prstGeom prst="rect">
+              <a:avLst/>
+            </a:prstGeom>
+            <a:noFill/>
+          </p:spPr>
+          <p:txBody>
+            <a:bodyPr wrap="square" rtlCol="0">
+              <a:spAutoFit/>
+            </a:bodyPr>
+            <a:lstStyle/>
+            <a:p>
+              <a:pPr algn="ctr"/>
+              <a:r>
+                <a:rPr lang="en-IN" dirty="0"/>
+                <a:t>Colour segmentation</a:t>
+              </a:r>
+            </a:p>
+          </p:txBody>
+        </p:sp>
+        <p:pic>
+          <p:nvPicPr>
+            <p:cNvPr id="3084" name="Picture 12">
+              <a:extLst>
+                <a:ext uri="{FF2B5EF4-FFF2-40B4-BE49-F238E27FC236}">
+                  <a16:creationId xmlns:a16="http://schemas.microsoft.com/office/drawing/2014/main" id="{A459AC9C-2FD3-ECD4-9CE5-7ECB0F156C95}"/>
+                </a:ext>
+              </a:extLst>
+            </p:cNvPr>
+            <p:cNvPicPr>
+              <a:picLocks noChangeAspect="1" noChangeArrowheads="1"/>
+            </p:cNvPicPr>
+            <p:nvPr/>
+          </p:nvPicPr>
+          <p:blipFill>
+            <a:blip r:embed="rId5">
+              <a:extLst>
+                <a:ext uri="{28A0092B-C50C-407E-A947-70E740481C1C}">
+                  <a14:useLocalDpi xmlns:a14="http://schemas.microsoft.com/office/drawing/2010/main" val="0"/>
+                </a:ext>
+              </a:extLst>
+            </a:blip>
+            <a:srcRect/>
+            <a:stretch>
+              <a:fillRect/>
+            </a:stretch>
+          </p:blipFill>
+          <p:spPr bwMode="auto">
+            <a:xfrm>
+              <a:off x="8858249" y="1466850"/>
+              <a:ext cx="1962150" cy="1962150"/>
+            </a:xfrm>
+            <a:prstGeom prst="rect">
+              <a:avLst/>
+            </a:prstGeom>
+            <a:noFill/>
+            <a:extLst>
+              <a:ext uri="{909E8E84-426E-40DD-AFC4-6F175D3DCCD1}">
+                <a14:hiddenFill xmlns:a14="http://schemas.microsoft.com/office/drawing/2010/main">
+                  <a:solidFill>
+                    <a:srgbClr val="FFFFFF"/>
+                  </a:solidFill>
+                </a14:hiddenFill>
+              </a:ext>
+            </a:extLst>
+          </p:spPr>
+        </p:pic>
+        <p:sp>
+          <p:nvSpPr>
+            <p:cNvPr id="7" name="TextBox 6">
+              <a:extLst>
+                <a:ext uri="{FF2B5EF4-FFF2-40B4-BE49-F238E27FC236}">
+                  <a16:creationId xmlns:a16="http://schemas.microsoft.com/office/drawing/2014/main" id="{8FD20802-17AC-D47F-1DD3-C5289023074F}"/>
+                </a:ext>
+              </a:extLst>
+            </p:cNvPr>
+            <p:cNvSpPr txBox="1"/>
+            <p:nvPr/>
+          </p:nvSpPr>
+          <p:spPr>
+            <a:xfrm>
+              <a:off x="8867774" y="3702050"/>
+              <a:ext cx="1981200" cy="646331"/>
+            </a:xfrm>
+            <a:prstGeom prst="rect">
+              <a:avLst/>
+            </a:prstGeom>
+            <a:noFill/>
+          </p:spPr>
+          <p:txBody>
+            <a:bodyPr wrap="square" rtlCol="0">
+              <a:spAutoFit/>
+            </a:bodyPr>
+            <a:lstStyle/>
+            <a:p>
+              <a:pPr algn="ctr"/>
+              <a:r>
+                <a:rPr lang="en-IN" dirty="0"/>
+                <a:t>Image Binary Threshold</a:t>
+              </a:r>
+            </a:p>
+          </p:txBody>
+        </p:sp>
+        <p:sp>
+          <p:nvSpPr>
+            <p:cNvPr id="9" name="TextBox 8">
+              <a:extLst>
+                <a:ext uri="{FF2B5EF4-FFF2-40B4-BE49-F238E27FC236}">
+                  <a16:creationId xmlns:a16="http://schemas.microsoft.com/office/drawing/2014/main" id="{E74D0D25-4B68-CBEF-B26D-DBB6EFA7D4FE}"/>
+                </a:ext>
+              </a:extLst>
+            </p:cNvPr>
+            <p:cNvSpPr txBox="1"/>
+            <p:nvPr/>
+          </p:nvSpPr>
+          <p:spPr>
+            <a:xfrm>
+              <a:off x="3048000" y="4901684"/>
+              <a:ext cx="6096000" cy="369332"/>
+            </a:xfrm>
+            <a:prstGeom prst="rect">
+              <a:avLst/>
+            </a:prstGeom>
+          </p:spPr>
+          <p:style>
+            <a:lnRef idx="2">
+              <a:schemeClr val="dk1"/>
+            </a:lnRef>
+            <a:fillRef idx="1">
+              <a:schemeClr val="lt1"/>
+            </a:fillRef>
+            <a:effectRef idx="0">
+              <a:schemeClr val="dk1"/>
+            </a:effectRef>
+            <a:fontRef idx="minor">
+              <a:schemeClr val="dk1"/>
+            </a:fontRef>
+          </p:style>
+          <p:txBody>
+            <a:bodyPr wrap="square">
+              <a:spAutoFit/>
+            </a:bodyPr>
+            <a:lstStyle/>
+            <a:p>
+              <a:pPr algn="ctr"/>
+              <a:r>
+                <a:rPr lang="en-IN" dirty="0" err="1"/>
+                <a:t>cloud_cover</a:t>
+              </a:r>
+              <a:r>
+                <a:rPr lang="en-IN" dirty="0"/>
+                <a:t> = (</a:t>
+              </a:r>
+              <a:r>
+                <a:rPr lang="en-IN" dirty="0" err="1"/>
+                <a:t>cloud_pixel</a:t>
+              </a:r>
+              <a:r>
+                <a:rPr lang="en-IN" dirty="0"/>
+                <a:t>/</a:t>
+              </a:r>
+              <a:r>
+                <a:rPr lang="en-IN" dirty="0" err="1"/>
+                <a:t>total_pixel</a:t>
+              </a:r>
+              <a:r>
+                <a:rPr lang="en-IN" dirty="0"/>
+                <a:t>)*100</a:t>
+              </a:r>
+            </a:p>
+          </p:txBody>
+        </p:sp>
+        <p:cxnSp>
+          <p:nvCxnSpPr>
+            <p:cNvPr id="11" name="Straight Arrow Connector 10">
+              <a:extLst>
+                <a:ext uri="{FF2B5EF4-FFF2-40B4-BE49-F238E27FC236}">
+                  <a16:creationId xmlns:a16="http://schemas.microsoft.com/office/drawing/2014/main" id="{85A47209-B656-52D2-3B38-C61A464388D8}"/>
+                </a:ext>
+              </a:extLst>
+            </p:cNvPr>
+            <p:cNvCxnSpPr>
+              <a:stCxn id="3078" idx="3"/>
+              <a:endCxn id="3080" idx="1"/>
+            </p:cNvCxnSpPr>
+            <p:nvPr/>
+          </p:nvCxnSpPr>
+          <p:spPr>
+            <a:xfrm>
+              <a:off x="3862388" y="2447925"/>
+              <a:ext cx="338137" cy="0"/>
+            </a:xfrm>
+            <a:prstGeom prst="straightConnector1">
+              <a:avLst/>
+            </a:prstGeom>
+            <a:ln>
+              <a:tailEnd type="triangle"/>
+            </a:ln>
+          </p:spPr>
+          <p:style>
+            <a:lnRef idx="1">
+              <a:schemeClr val="accent1"/>
+            </a:lnRef>
+            <a:fillRef idx="0">
+              <a:schemeClr val="accent1"/>
+            </a:fillRef>
+            <a:effectRef idx="0">
+              <a:schemeClr val="accent1"/>
+            </a:effectRef>
+            <a:fontRef idx="minor">
+              <a:schemeClr val="tx1"/>
+            </a:fontRef>
+          </p:style>
+        </p:cxnSp>
+        <p:cxnSp>
+          <p:nvCxnSpPr>
+            <p:cNvPr id="12" name="Straight Arrow Connector 11">
+              <a:extLst>
+                <a:ext uri="{FF2B5EF4-FFF2-40B4-BE49-F238E27FC236}">
+                  <a16:creationId xmlns:a16="http://schemas.microsoft.com/office/drawing/2014/main" id="{D82A8B0A-5B84-FFF0-9037-83E8A2D6501C}"/>
+                </a:ext>
+              </a:extLst>
+            </p:cNvPr>
+            <p:cNvCxnSpPr>
+              <a:cxnSpLocks/>
+              <a:stCxn id="3080" idx="3"/>
+              <a:endCxn id="3082" idx="1"/>
+            </p:cNvCxnSpPr>
+            <p:nvPr/>
+          </p:nvCxnSpPr>
+          <p:spPr>
+            <a:xfrm>
+              <a:off x="6162675" y="2447925"/>
+              <a:ext cx="366712" cy="0"/>
+            </a:xfrm>
+            <a:prstGeom prst="straightConnector1">
+              <a:avLst/>
+            </a:prstGeom>
+            <a:ln>
+              <a:tailEnd type="triangle"/>
+            </a:ln>
+          </p:spPr>
+          <p:style>
+            <a:lnRef idx="1">
+              <a:schemeClr val="accent1"/>
+            </a:lnRef>
+            <a:fillRef idx="0">
+              <a:schemeClr val="accent1"/>
+            </a:fillRef>
+            <a:effectRef idx="0">
+              <a:schemeClr val="accent1"/>
+            </a:effectRef>
+            <a:fontRef idx="minor">
+              <a:schemeClr val="tx1"/>
+            </a:fontRef>
+          </p:style>
+        </p:cxnSp>
+        <p:cxnSp>
+          <p:nvCxnSpPr>
+            <p:cNvPr id="15" name="Straight Arrow Connector 14">
+              <a:extLst>
+                <a:ext uri="{FF2B5EF4-FFF2-40B4-BE49-F238E27FC236}">
+                  <a16:creationId xmlns:a16="http://schemas.microsoft.com/office/drawing/2014/main" id="{8B76212B-C018-4A05-5F7F-868ABF60A2F6}"/>
+                </a:ext>
+              </a:extLst>
+            </p:cNvPr>
+            <p:cNvCxnSpPr>
+              <a:cxnSpLocks/>
+              <a:stCxn id="3082" idx="3"/>
+              <a:endCxn id="3084" idx="1"/>
+            </p:cNvCxnSpPr>
+            <p:nvPr/>
+          </p:nvCxnSpPr>
+          <p:spPr>
+            <a:xfrm>
+              <a:off x="8491537" y="2447925"/>
+              <a:ext cx="366712" cy="0"/>
+            </a:xfrm>
+            <a:prstGeom prst="straightConnector1">
+              <a:avLst/>
+            </a:prstGeom>
+            <a:ln>
+              <a:tailEnd type="triangle"/>
+            </a:ln>
+          </p:spPr>
+          <p:style>
+            <a:lnRef idx="1">
+              <a:schemeClr val="accent1"/>
+            </a:lnRef>
+            <a:fillRef idx="0">
+              <a:schemeClr val="accent1"/>
+            </a:fillRef>
+            <a:effectRef idx="0">
+              <a:schemeClr val="accent1"/>
+            </a:effectRef>
+            <a:fontRef idx="minor">
+              <a:schemeClr val="tx1"/>
+            </a:fontRef>
+          </p:style>
+        </p:cxnSp>
+        <p:cxnSp>
+          <p:nvCxnSpPr>
+            <p:cNvPr id="21" name="Connector: Elbow 20">
+              <a:extLst>
+                <a:ext uri="{FF2B5EF4-FFF2-40B4-BE49-F238E27FC236}">
+                  <a16:creationId xmlns:a16="http://schemas.microsoft.com/office/drawing/2014/main" id="{BE3ED1B4-A621-72B0-212D-47D0E903F8C1}"/>
+                </a:ext>
+              </a:extLst>
+            </p:cNvPr>
+            <p:cNvCxnSpPr>
+              <a:stCxn id="3084" idx="3"/>
+              <a:endCxn id="9" idx="3"/>
+            </p:cNvCxnSpPr>
+            <p:nvPr/>
+          </p:nvCxnSpPr>
+          <p:spPr>
+            <a:xfrm flipH="1">
+              <a:off x="9144000" y="2447925"/>
+              <a:ext cx="1676399" cy="2638425"/>
+            </a:xfrm>
+            <a:prstGeom prst="bentConnector3">
+              <a:avLst>
+                <a:gd name="adj1" fmla="val -13636"/>
+              </a:avLst>
+            </a:prstGeom>
+            <a:ln>
+              <a:tailEnd type="triangle"/>
+            </a:ln>
+          </p:spPr>
+          <p:style>
+            <a:lnRef idx="1">
+              <a:schemeClr val="accent1"/>
+            </a:lnRef>
+            <a:fillRef idx="0">
+              <a:schemeClr val="accent1"/>
+            </a:fillRef>
+            <a:effectRef idx="0">
+              <a:schemeClr val="accent1"/>
+            </a:effectRef>
+            <a:fontRef idx="minor">
+              <a:schemeClr val="tx1"/>
+            </a:fontRef>
+          </p:style>
+        </p:cxnSp>
+      </p:grpSp>
+    </p:spTree>
+    <p:extLst>
+      <p:ext uri="{BB962C8B-B14F-4D97-AF65-F5344CB8AC3E}">
+        <p14:creationId xmlns:p14="http://schemas.microsoft.com/office/powerpoint/2010/main" val="2247843861"/>
+      </p:ext>
+    </p:extLst>
+  </p:cSld>
+  <p:clrMapOvr>
+    <a:masterClrMapping/>
+  </p:clrMapOvr>
+</p:sld>
+</file>
+
+<file path=ppt/slides/slide7.xml><?xml version="1.0" encoding="utf-8"?>
+<p:sld xmlns:a="http://schemas.openxmlformats.org/drawingml/2006/main" xmlns:r="http://schemas.openxmlformats.org/officeDocument/2006/relationships" xmlns:p="http://schemas.openxmlformats.org/presentationml/2006/main">
+  <p:cSld>
+    <p:spTree>
+      <p:nvGrpSpPr>
+        <p:cNvPr id="1" name=""/>
+        <p:cNvGrpSpPr/>
+        <p:nvPr/>
+      </p:nvGrpSpPr>
+      <p:grpSpPr>
+        <a:xfrm>
+          <a:off x="0" y="0"/>
+          <a:ext cx="0" cy="0"/>
+          <a:chOff x="0" y="0"/>
+          <a:chExt cx="0" cy="0"/>
+        </a:xfrm>
+      </p:grpSpPr>
       <p:sp>
         <p:nvSpPr>
           <p:cNvPr id="2" name="Title 1">
@@ -4741,7 +6775,7 @@
 </p:sld>
 </file>
 
-<file path=ppt/slides/slide6.xml><?xml version="1.0" encoding="utf-8"?>
+<file path=ppt/slides/slide8.xml><?xml version="1.0" encoding="utf-8"?>
 <p:sld xmlns:a="http://schemas.openxmlformats.org/drawingml/2006/main" xmlns:r="http://schemas.openxmlformats.org/officeDocument/2006/relationships" xmlns:p="http://schemas.openxmlformats.org/presentationml/2006/main">
   <p:cSld>
     <p:spTree>

--- a/Solar Irradiance Forecasting.pptx
+++ b/Solar Irradiance Forecasting.pptx
@@ -9,10 +9,11 @@
     <p:sldId id="257" r:id="rId3"/>
     <p:sldId id="258" r:id="rId4"/>
     <p:sldId id="259" r:id="rId5"/>
-    <p:sldId id="262" r:id="rId6"/>
-    <p:sldId id="263" r:id="rId7"/>
-    <p:sldId id="260" r:id="rId8"/>
-    <p:sldId id="261" r:id="rId9"/>
+    <p:sldId id="264" r:id="rId6"/>
+    <p:sldId id="262" r:id="rId7"/>
+    <p:sldId id="263" r:id="rId8"/>
+    <p:sldId id="260" r:id="rId9"/>
+    <p:sldId id="261" r:id="rId10"/>
   </p:sldIdLst>
   <p:sldSz cx="12192000" cy="6858000"/>
   <p:notesSz cx="6858000" cy="9144000"/>
@@ -268,7 +269,7 @@
           <a:p>
             <a:fld id="{350309FB-5976-4E29-ACDF-AC1BAA5D2851}" type="datetimeFigureOut">
               <a:rPr lang="en-IN" smtClean="0"/>
-              <a:t>29-10-2023</a:t>
+              <a:t>05-11-2023</a:t>
             </a:fld>
             <a:endParaRPr lang="en-IN"/>
           </a:p>
@@ -468,7 +469,7 @@
           <a:p>
             <a:fld id="{350309FB-5976-4E29-ACDF-AC1BAA5D2851}" type="datetimeFigureOut">
               <a:rPr lang="en-IN" smtClean="0"/>
-              <a:t>29-10-2023</a:t>
+              <a:t>05-11-2023</a:t>
             </a:fld>
             <a:endParaRPr lang="en-IN"/>
           </a:p>
@@ -678,7 +679,7 @@
           <a:p>
             <a:fld id="{350309FB-5976-4E29-ACDF-AC1BAA5D2851}" type="datetimeFigureOut">
               <a:rPr lang="en-IN" smtClean="0"/>
-              <a:t>29-10-2023</a:t>
+              <a:t>05-11-2023</a:t>
             </a:fld>
             <a:endParaRPr lang="en-IN"/>
           </a:p>
@@ -878,7 +879,7 @@
           <a:p>
             <a:fld id="{350309FB-5976-4E29-ACDF-AC1BAA5D2851}" type="datetimeFigureOut">
               <a:rPr lang="en-IN" smtClean="0"/>
-              <a:t>29-10-2023</a:t>
+              <a:t>05-11-2023</a:t>
             </a:fld>
             <a:endParaRPr lang="en-IN"/>
           </a:p>
@@ -1154,7 +1155,7 @@
           <a:p>
             <a:fld id="{350309FB-5976-4E29-ACDF-AC1BAA5D2851}" type="datetimeFigureOut">
               <a:rPr lang="en-IN" smtClean="0"/>
-              <a:t>29-10-2023</a:t>
+              <a:t>05-11-2023</a:t>
             </a:fld>
             <a:endParaRPr lang="en-IN"/>
           </a:p>
@@ -1422,7 +1423,7 @@
           <a:p>
             <a:fld id="{350309FB-5976-4E29-ACDF-AC1BAA5D2851}" type="datetimeFigureOut">
               <a:rPr lang="en-IN" smtClean="0"/>
-              <a:t>29-10-2023</a:t>
+              <a:t>05-11-2023</a:t>
             </a:fld>
             <a:endParaRPr lang="en-IN"/>
           </a:p>
@@ -1837,7 +1838,7 @@
           <a:p>
             <a:fld id="{350309FB-5976-4E29-ACDF-AC1BAA5D2851}" type="datetimeFigureOut">
               <a:rPr lang="en-IN" smtClean="0"/>
-              <a:t>29-10-2023</a:t>
+              <a:t>05-11-2023</a:t>
             </a:fld>
             <a:endParaRPr lang="en-IN"/>
           </a:p>
@@ -1979,7 +1980,7 @@
           <a:p>
             <a:fld id="{350309FB-5976-4E29-ACDF-AC1BAA5D2851}" type="datetimeFigureOut">
               <a:rPr lang="en-IN" smtClean="0"/>
-              <a:t>29-10-2023</a:t>
+              <a:t>05-11-2023</a:t>
             </a:fld>
             <a:endParaRPr lang="en-IN"/>
           </a:p>
@@ -2092,7 +2093,7 @@
           <a:p>
             <a:fld id="{350309FB-5976-4E29-ACDF-AC1BAA5D2851}" type="datetimeFigureOut">
               <a:rPr lang="en-IN" smtClean="0"/>
-              <a:t>29-10-2023</a:t>
+              <a:t>05-11-2023</a:t>
             </a:fld>
             <a:endParaRPr lang="en-IN"/>
           </a:p>
@@ -2405,7 +2406,7 @@
           <a:p>
             <a:fld id="{350309FB-5976-4E29-ACDF-AC1BAA5D2851}" type="datetimeFigureOut">
               <a:rPr lang="en-IN" smtClean="0"/>
-              <a:t>29-10-2023</a:t>
+              <a:t>05-11-2023</a:t>
             </a:fld>
             <a:endParaRPr lang="en-IN"/>
           </a:p>
@@ -2694,7 +2695,7 @@
           <a:p>
             <a:fld id="{350309FB-5976-4E29-ACDF-AC1BAA5D2851}" type="datetimeFigureOut">
               <a:rPr lang="en-IN" smtClean="0"/>
-              <a:t>29-10-2023</a:t>
+              <a:t>05-11-2023</a:t>
             </a:fld>
             <a:endParaRPr lang="en-IN"/>
           </a:p>
@@ -2937,7 +2938,7 @@
           <a:p>
             <a:fld id="{350309FB-5976-4E29-ACDF-AC1BAA5D2851}" type="datetimeFigureOut">
               <a:rPr lang="en-IN" smtClean="0"/>
-              <a:t>29-10-2023</a:t>
+              <a:t>05-11-2023</a:t>
             </a:fld>
             <a:endParaRPr lang="en-IN"/>
           </a:p>
@@ -4495,7 +4496,63 @@
                 <a:latin typeface="Calibri" panose="020F0502020204030204" pitchFamily="34" charset="0"/>
                 <a:cs typeface="Times New Roman" panose="02020603050405020304" pitchFamily="18" charset="0"/>
               </a:rPr>
-              <a:t>Model Trained on 30 epochs and 70 batch size and calculate loss using Root Mean Square Error.</a:t>
+              <a:t>Model Trained on 100 epochs and </a:t>
+            </a:r>
+            <a:r>
+              <a:rPr lang="fr-FR" sz="1200" dirty="0">
+                <a:latin typeface="Calibri" panose="020F0502020204030204" pitchFamily="34" charset="0"/>
+                <a:cs typeface="Times New Roman" panose="02020603050405020304" pitchFamily="18" charset="0"/>
+              </a:rPr>
+              <a:t>3432 (</a:t>
+            </a:r>
+            <a:r>
+              <a:rPr lang="fr-FR" sz="1200" dirty="0" err="1">
+                <a:latin typeface="Calibri" panose="020F0502020204030204" pitchFamily="34" charset="0"/>
+                <a:cs typeface="Times New Roman" panose="02020603050405020304" pitchFamily="18" charset="0"/>
+              </a:rPr>
+              <a:t>int</a:t>
+            </a:r>
+            <a:r>
+              <a:rPr lang="fr-FR" sz="1200" dirty="0">
+                <a:latin typeface="Calibri" panose="020F0502020204030204" pitchFamily="34" charset="0"/>
+                <a:cs typeface="Times New Roman" panose="02020603050405020304" pitchFamily="18" charset="0"/>
+              </a:rPr>
+              <a:t>(</a:t>
+            </a:r>
+            <a:r>
+              <a:rPr lang="fr-FR" sz="1200" dirty="0" err="1">
+                <a:latin typeface="Calibri" panose="020F0502020204030204" pitchFamily="34" charset="0"/>
+                <a:cs typeface="Times New Roman" panose="02020603050405020304" pitchFamily="18" charset="0"/>
+              </a:rPr>
+              <a:t>trainX.shape</a:t>
+            </a:r>
+            <a:r>
+              <a:rPr lang="fr-FR" sz="1200" dirty="0">
+                <a:latin typeface="Calibri" panose="020F0502020204030204" pitchFamily="34" charset="0"/>
+                <a:cs typeface="Times New Roman" panose="02020603050405020304" pitchFamily="18" charset="0"/>
+              </a:rPr>
+              <a:t>[0]/</a:t>
+            </a:r>
+            <a:r>
+              <a:rPr lang="fr-FR" sz="1200" dirty="0" err="1">
+                <a:latin typeface="Calibri" panose="020F0502020204030204" pitchFamily="34" charset="0"/>
+                <a:cs typeface="Times New Roman" panose="02020603050405020304" pitchFamily="18" charset="0"/>
+              </a:rPr>
+              <a:t>epochs</a:t>
+            </a:r>
+            <a:r>
+              <a:rPr lang="fr-FR" sz="1200" dirty="0">
+                <a:latin typeface="Calibri" panose="020F0502020204030204" pitchFamily="34" charset="0"/>
+                <a:cs typeface="Times New Roman" panose="02020603050405020304" pitchFamily="18" charset="0"/>
+              </a:rPr>
+              <a:t>) * 0.10)</a:t>
+            </a:r>
+            <a:r>
+              <a:rPr lang="en-IN" sz="1200" dirty="0">
+                <a:latin typeface="Calibri" panose="020F0502020204030204" pitchFamily="34" charset="0"/>
+                <a:cs typeface="Times New Roman" panose="02020603050405020304" pitchFamily="18" charset="0"/>
+              </a:rPr>
+              <a:t> batch size and calculate loss using Root Mean Square Error.</a:t>
             </a:r>
           </a:p>
           <a:p>
@@ -4532,10 +4589,10 @@
       </p:sp>
       <p:pic>
         <p:nvPicPr>
-          <p:cNvPr id="1026" name="Picture 2">
-            <a:extLst>
-              <a:ext uri="{FF2B5EF4-FFF2-40B4-BE49-F238E27FC236}">
-                <a16:creationId xmlns:a16="http://schemas.microsoft.com/office/drawing/2014/main" id="{962CA365-945D-054F-F6A0-AA4270F9E19F}"/>
+          <p:cNvPr id="5" name="Picture 2">
+            <a:extLst>
+              <a:ext uri="{FF2B5EF4-FFF2-40B4-BE49-F238E27FC236}">
+                <a16:creationId xmlns:a16="http://schemas.microsoft.com/office/drawing/2014/main" id="{4F276EF5-196E-D5CE-A56C-D1D8AFC1A11C}"/>
               </a:ext>
             </a:extLst>
           </p:cNvPr>
@@ -4559,8 +4616,8 @@
         </p:blipFill>
         <p:spPr bwMode="auto">
           <a:xfrm>
-            <a:off x="2343585" y="3457297"/>
-            <a:ext cx="3144780" cy="2475100"/>
+            <a:off x="2157413" y="3489812"/>
+            <a:ext cx="3328987" cy="2568344"/>
           </a:xfrm>
           <a:prstGeom prst="rect">
             <a:avLst/>
@@ -4579,10 +4636,10 @@
       </p:pic>
       <p:pic>
         <p:nvPicPr>
-          <p:cNvPr id="4" name="Picture 2">
-            <a:extLst>
-              <a:ext uri="{FF2B5EF4-FFF2-40B4-BE49-F238E27FC236}">
-                <a16:creationId xmlns:a16="http://schemas.microsoft.com/office/drawing/2014/main" id="{9051C198-A9FC-51EC-C678-7CBE05CCF747}"/>
+          <p:cNvPr id="1028" name="Picture 4">
+            <a:extLst>
+              <a:ext uri="{FF2B5EF4-FFF2-40B4-BE49-F238E27FC236}">
+                <a16:creationId xmlns:a16="http://schemas.microsoft.com/office/drawing/2014/main" id="{F47452DF-1C3F-02A0-8873-7BC1FC59A11E}"/>
               </a:ext>
             </a:extLst>
           </p:cNvPr>
@@ -4606,8 +4663,8 @@
         </p:blipFill>
         <p:spPr bwMode="auto">
           <a:xfrm>
-            <a:off x="6309359" y="3548381"/>
-            <a:ext cx="3992881" cy="2153950"/>
+            <a:off x="5747384" y="3489812"/>
+            <a:ext cx="4699376" cy="2535068"/>
           </a:xfrm>
           <a:prstGeom prst="rect">
             <a:avLst/>
@@ -4638,6 +4695,183 @@
 </file>
 
 <file path=ppt/slides/slide5.xml><?xml version="1.0" encoding="utf-8"?>
+<p:sld xmlns:a="http://schemas.openxmlformats.org/drawingml/2006/main" xmlns:r="http://schemas.openxmlformats.org/officeDocument/2006/relationships" xmlns:p="http://schemas.openxmlformats.org/presentationml/2006/main">
+  <p:cSld>
+    <p:spTree>
+      <p:nvGrpSpPr>
+        <p:cNvPr id="1" name=""/>
+        <p:cNvGrpSpPr/>
+        <p:nvPr/>
+      </p:nvGrpSpPr>
+      <p:grpSpPr>
+        <a:xfrm>
+          <a:off x="0" y="0"/>
+          <a:ext cx="0" cy="0"/>
+          <a:chOff x="0" y="0"/>
+          <a:chExt cx="0" cy="0"/>
+        </a:xfrm>
+      </p:grpSpPr>
+      <p:sp>
+        <p:nvSpPr>
+          <p:cNvPr id="2" name="Title 1">
+            <a:extLst>
+              <a:ext uri="{FF2B5EF4-FFF2-40B4-BE49-F238E27FC236}">
+                <a16:creationId xmlns:a16="http://schemas.microsoft.com/office/drawing/2014/main" id="{B2CD2C1F-E052-3BD6-C09A-649E6A46908C}"/>
+              </a:ext>
+            </a:extLst>
+          </p:cNvPr>
+          <p:cNvSpPr>
+            <a:spLocks noGrp="1"/>
+          </p:cNvSpPr>
+          <p:nvPr>
+            <p:ph type="title"/>
+          </p:nvPr>
+        </p:nvSpPr>
+        <p:spPr/>
+        <p:txBody>
+          <a:bodyPr/>
+          <a:lstStyle/>
+          <a:p>
+            <a:r>
+              <a:rPr lang="en-IN" dirty="0"/>
+              <a:t>Model Training</a:t>
+            </a:r>
+          </a:p>
+        </p:txBody>
+      </p:sp>
+      <p:sp>
+        <p:nvSpPr>
+          <p:cNvPr id="3" name="Content Placeholder 2">
+            <a:extLst>
+              <a:ext uri="{FF2B5EF4-FFF2-40B4-BE49-F238E27FC236}">
+                <a16:creationId xmlns:a16="http://schemas.microsoft.com/office/drawing/2014/main" id="{6A2E5668-60C2-4AD3-951F-0551482DEE65}"/>
+              </a:ext>
+            </a:extLst>
+          </p:cNvPr>
+          <p:cNvSpPr>
+            <a:spLocks noGrp="1"/>
+          </p:cNvSpPr>
+          <p:nvPr>
+            <p:ph idx="1"/>
+          </p:nvPr>
+        </p:nvSpPr>
+        <p:spPr>
+          <a:xfrm>
+            <a:off x="838200" y="1825625"/>
+            <a:ext cx="9915525" cy="812800"/>
+          </a:xfrm>
+        </p:spPr>
+        <p:txBody>
+          <a:bodyPr>
+            <a:normAutofit fontScale="47500" lnSpcReduction="20000"/>
+          </a:bodyPr>
+          <a:lstStyle/>
+          <a:p>
+            <a:pPr marL="0" indent="0">
+              <a:buNone/>
+            </a:pPr>
+            <a:r>
+              <a:rPr lang="en-US" sz="5000" b="0" dirty="0">
+                <a:solidFill>
+                  <a:schemeClr val="accent5">
+                    <a:lumMod val="75000"/>
+                  </a:schemeClr>
+                </a:solidFill>
+                <a:effectLst/>
+              </a:rPr>
+              <a:t>Conclusion:</a:t>
+            </a:r>
+          </a:p>
+          <a:p>
+            <a:pPr marL="0" indent="0">
+              <a:buNone/>
+            </a:pPr>
+            <a:r>
+              <a:rPr lang="en-US" sz="2900" b="0" dirty="0">
+                <a:solidFill>
+                  <a:srgbClr val="000000"/>
+                </a:solidFill>
+                <a:effectLst/>
+              </a:rPr>
+              <a:t>Based on the results of the all plots, we can conclude that the </a:t>
+            </a:r>
+            <a:r>
+              <a:rPr lang="en-US" sz="2900" b="1" dirty="0">
+                <a:solidFill>
+                  <a:srgbClr val="000000"/>
+                </a:solidFill>
+                <a:effectLst/>
+              </a:rPr>
+              <a:t>LSTM model with Early Stopping, Reduce Learning Rate, Dropout and Regularization</a:t>
+            </a:r>
+            <a:r>
+              <a:rPr lang="en-US" sz="2900" b="0" dirty="0">
+                <a:solidFill>
+                  <a:srgbClr val="000000"/>
+                </a:solidFill>
+                <a:effectLst/>
+              </a:rPr>
+              <a:t> has the best performance. This model has the highest test accuracy and the lowest test loss.</a:t>
+            </a:r>
+          </a:p>
+          <a:p>
+            <a:pPr marL="0" indent="0" algn="l">
+              <a:buNone/>
+            </a:pPr>
+            <a:endParaRPr lang="en-US" b="0" i="0" dirty="0">
+              <a:solidFill>
+                <a:srgbClr val="212121"/>
+              </a:solidFill>
+              <a:effectLst/>
+              <a:latin typeface="Roboto" panose="02000000000000000000" pitchFamily="2" charset="0"/>
+            </a:endParaRPr>
+          </a:p>
+        </p:txBody>
+      </p:sp>
+      <p:pic>
+        <p:nvPicPr>
+          <p:cNvPr id="7" name="Picture 6">
+            <a:extLst>
+              <a:ext uri="{FF2B5EF4-FFF2-40B4-BE49-F238E27FC236}">
+                <a16:creationId xmlns:a16="http://schemas.microsoft.com/office/drawing/2014/main" id="{7B13AF2D-200E-3A2E-919F-F4B9C5262E10}"/>
+              </a:ext>
+            </a:extLst>
+          </p:cNvPr>
+          <p:cNvPicPr>
+            <a:picLocks noChangeAspect="1"/>
+          </p:cNvPicPr>
+          <p:nvPr/>
+        </p:nvPicPr>
+        <p:blipFill>
+          <a:blip r:embed="rId2"/>
+          <a:stretch>
+            <a:fillRect/>
+          </a:stretch>
+        </p:blipFill>
+        <p:spPr>
+          <a:xfrm>
+            <a:off x="247650" y="2708275"/>
+            <a:ext cx="11696700" cy="3067050"/>
+          </a:xfrm>
+          <a:prstGeom prst="rect">
+            <a:avLst/>
+          </a:prstGeom>
+        </p:spPr>
+      </p:pic>
+    </p:spTree>
+    <p:extLst>
+      <p:ext uri="{BB962C8B-B14F-4D97-AF65-F5344CB8AC3E}">
+        <p14:creationId xmlns:p14="http://schemas.microsoft.com/office/powerpoint/2010/main" val="3165971143"/>
+      </p:ext>
+    </p:extLst>
+  </p:cSld>
+  <p:clrMapOvr>
+    <a:masterClrMapping/>
+  </p:clrMapOvr>
+</p:sld>
+</file>
+
+<file path=ppt/slides/slide6.xml><?xml version="1.0" encoding="utf-8"?>
 <p:sld xmlns:a="http://schemas.openxmlformats.org/drawingml/2006/main" xmlns:r="http://schemas.openxmlformats.org/officeDocument/2006/relationships" xmlns:p="http://schemas.openxmlformats.org/presentationml/2006/main">
   <p:cSld>
     <p:spTree>
@@ -6004,7 +6238,7 @@
 </p:sld>
 </file>
 
-<file path=ppt/slides/slide6.xml><?xml version="1.0" encoding="utf-8"?>
+<file path=ppt/slides/slide7.xml><?xml version="1.0" encoding="utf-8"?>
 <p:sld xmlns:a="http://schemas.openxmlformats.org/drawingml/2006/main" xmlns:r="http://schemas.openxmlformats.org/officeDocument/2006/relationships" xmlns:p="http://schemas.openxmlformats.org/presentationml/2006/main">
   <p:cSld>
     <p:spTree>
@@ -6669,7 +6903,7 @@
 </p:sld>
 </file>
 
-<file path=ppt/slides/slide7.xml><?xml version="1.0" encoding="utf-8"?>
+<file path=ppt/slides/slide8.xml><?xml version="1.0" encoding="utf-8"?>
 <p:sld xmlns:a="http://schemas.openxmlformats.org/drawingml/2006/main" xmlns:r="http://schemas.openxmlformats.org/officeDocument/2006/relationships" xmlns:p="http://schemas.openxmlformats.org/presentationml/2006/main">
   <p:cSld>
     <p:spTree>
@@ -6717,10 +6951,10 @@
       </p:sp>
       <p:pic>
         <p:nvPicPr>
-          <p:cNvPr id="4" name="Picture 2">
-            <a:extLst>
-              <a:ext uri="{FF2B5EF4-FFF2-40B4-BE49-F238E27FC236}">
-                <a16:creationId xmlns:a16="http://schemas.microsoft.com/office/drawing/2014/main" id="{75B12BB8-9111-11AC-9EE9-CB4CAE0816F5}"/>
+          <p:cNvPr id="2050" name="Picture 2">
+            <a:extLst>
+              <a:ext uri="{FF2B5EF4-FFF2-40B4-BE49-F238E27FC236}">
+                <a16:creationId xmlns:a16="http://schemas.microsoft.com/office/drawing/2014/main" id="{3D181F1B-C5E1-A2C0-AFC7-0840C93E2622}"/>
               </a:ext>
             </a:extLst>
           </p:cNvPr>
@@ -6744,8 +6978,8 @@
         </p:blipFill>
         <p:spPr bwMode="auto">
           <a:xfrm>
-            <a:off x="1451057" y="1519239"/>
-            <a:ext cx="9245518" cy="4881562"/>
+            <a:off x="1319213" y="1358900"/>
+            <a:ext cx="9782175" cy="5210175"/>
           </a:xfrm>
           <a:prstGeom prst="rect">
             <a:avLst/>
@@ -6775,7 +7009,7 @@
 </p:sld>
 </file>
 
-<file path=ppt/slides/slide8.xml><?xml version="1.0" encoding="utf-8"?>
+<file path=ppt/slides/slide9.xml><?xml version="1.0" encoding="utf-8"?>
 <p:sld xmlns:a="http://schemas.openxmlformats.org/drawingml/2006/main" xmlns:r="http://schemas.openxmlformats.org/officeDocument/2006/relationships" xmlns:p="http://schemas.openxmlformats.org/presentationml/2006/main">
   <p:cSld>
     <p:spTree>
